--- a/How better tech could protect us from distraction.pptx
+++ b/How better tech could protect us from distraction.pptx
@@ -15,6 +15,9 @@
     <p:sldId id="264" r:id="rId9"/>
     <p:sldId id="265" r:id="rId10"/>
     <p:sldId id="266" r:id="rId11"/>
+    <p:sldId id="267" r:id="rId12"/>
+    <p:sldId id="268" r:id="rId13"/>
+    <p:sldId id="269" r:id="rId14"/>
   </p:sldIdLst>
   <p:sldSz cx="9144000" cy="6858000" type="screen4x3"/>
   <p:notesSz cx="6858000" cy="9144000"/>
@@ -4683,6 +4686,13 @@
   <p:clrMapOvr>
     <a:masterClrMapping/>
   </p:clrMapOvr>
+  <p:timing>
+    <p:tnLst>
+      <p:par>
+        <p:cTn id="1" dur="indefinite" restart="never" nodeType="tmRoot"/>
+      </p:par>
+    </p:tnLst>
+  </p:timing>
 </p:sld>
 </file>
 
@@ -4776,6 +4786,673 @@
   <p:clrMapOvr>
     <a:masterClrMapping/>
   </p:clrMapOvr>
+  <p:timing>
+    <p:tnLst>
+      <p:par>
+        <p:cTn id="1" dur="indefinite" restart="never" nodeType="tmRoot"/>
+      </p:par>
+    </p:tnLst>
+  </p:timing>
+</p:sld>
+</file>
+
+<file path=ppt/slides/slide11.xml><?xml version="1.0" encoding="utf-8"?>
+<p:sld xmlns:a="http://schemas.openxmlformats.org/drawingml/2006/main" xmlns:r="http://schemas.openxmlformats.org/officeDocument/2006/relationships" xmlns:p="http://schemas.openxmlformats.org/presentationml/2006/main">
+  <p:cSld>
+    <p:spTree>
+      <p:nvGrpSpPr>
+        <p:cNvPr id="1" name=""/>
+        <p:cNvGrpSpPr/>
+        <p:nvPr/>
+      </p:nvGrpSpPr>
+      <p:grpSpPr>
+        <a:xfrm>
+          <a:off x="0" y="0"/>
+          <a:ext cx="0" cy="0"/>
+          <a:chOff x="0" y="0"/>
+          <a:chExt cx="0" cy="0"/>
+        </a:xfrm>
+      </p:grpSpPr>
+      <p:sp>
+        <p:nvSpPr>
+          <p:cNvPr id="2" name="Content Placeholder 1"/>
+          <p:cNvSpPr>
+            <a:spLocks noGrp="1"/>
+          </p:cNvSpPr>
+          <p:nvPr>
+            <p:ph idx="1"/>
+          </p:nvPr>
+        </p:nvSpPr>
+        <p:spPr>
+          <a:xfrm>
+            <a:off x="457200" y="2299380"/>
+            <a:ext cx="8534400" cy="4525963"/>
+          </a:xfrm>
+        </p:spPr>
+        <p:txBody>
+          <a:bodyPr/>
+          <a:lstStyle/>
+          <a:p>
+            <a:r>
+              <a:rPr lang="en-US" dirty="0" smtClean="0"/>
+              <a:t>Company leaders – Prioritize new matric</a:t>
+            </a:r>
+          </a:p>
+          <a:p>
+            <a:endParaRPr lang="en-US" dirty="0"/>
+          </a:p>
+          <a:p>
+            <a:r>
+              <a:rPr lang="en-US" dirty="0" smtClean="0"/>
+              <a:t>Designer – Redefine the design</a:t>
+            </a:r>
+          </a:p>
+          <a:p>
+            <a:endParaRPr lang="en-US" dirty="0"/>
+          </a:p>
+          <a:p>
+            <a:r>
+              <a:rPr lang="en-US" dirty="0" smtClean="0"/>
+              <a:t>Users – Demand technology that work this way</a:t>
+            </a:r>
+          </a:p>
+        </p:txBody>
+      </p:sp>
+      <p:sp>
+        <p:nvSpPr>
+          <p:cNvPr id="3" name="Title 2"/>
+          <p:cNvSpPr>
+            <a:spLocks noGrp="1"/>
+          </p:cNvSpPr>
+          <p:nvPr>
+            <p:ph type="title"/>
+          </p:nvPr>
+        </p:nvSpPr>
+        <p:spPr>
+          <a:xfrm>
+            <a:off x="457200" y="609600"/>
+            <a:ext cx="8229600" cy="1143000"/>
+          </a:xfrm>
+        </p:spPr>
+        <p:txBody>
+          <a:bodyPr/>
+          <a:lstStyle/>
+          <a:p>
+            <a:r>
+              <a:rPr lang="en-US" dirty="0" smtClean="0"/>
+              <a:t>We can create this world today!</a:t>
+            </a:r>
+            <a:endParaRPr lang="en-US" dirty="0"/>
+          </a:p>
+        </p:txBody>
+      </p:sp>
+    </p:spTree>
+    <p:extLst>
+      <p:ext uri="{BB962C8B-B14F-4D97-AF65-F5344CB8AC3E}">
+        <p14:creationId xmlns:p14="http://schemas.microsoft.com/office/powerpoint/2010/main" val="240742119"/>
+      </p:ext>
+    </p:extLst>
+  </p:cSld>
+  <p:clrMapOvr>
+    <a:masterClrMapping/>
+  </p:clrMapOvr>
+  <p:timing>
+    <p:tnLst>
+      <p:par>
+        <p:cTn id="1" dur="indefinite" restart="never" nodeType="tmRoot"/>
+      </p:par>
+    </p:tnLst>
+  </p:timing>
+</p:sld>
+</file>
+
+<file path=ppt/slides/slide12.xml><?xml version="1.0" encoding="utf-8"?>
+<p:sld xmlns:a="http://schemas.openxmlformats.org/drawingml/2006/main" xmlns:r="http://schemas.openxmlformats.org/officeDocument/2006/relationships" xmlns:p="http://schemas.openxmlformats.org/presentationml/2006/main">
+  <p:cSld>
+    <p:spTree>
+      <p:nvGrpSpPr>
+        <p:cNvPr id="1" name=""/>
+        <p:cNvGrpSpPr/>
+        <p:nvPr/>
+      </p:nvGrpSpPr>
+      <p:grpSpPr>
+        <a:xfrm>
+          <a:off x="0" y="0"/>
+          <a:ext cx="0" cy="0"/>
+          <a:chOff x="0" y="0"/>
+          <a:chExt cx="0" cy="0"/>
+        </a:xfrm>
+      </p:grpSpPr>
+      <p:sp>
+        <p:nvSpPr>
+          <p:cNvPr id="2" name="Content Placeholder 1"/>
+          <p:cNvSpPr>
+            <a:spLocks noGrp="1"/>
+          </p:cNvSpPr>
+          <p:nvPr>
+            <p:ph idx="1"/>
+          </p:nvPr>
+        </p:nvSpPr>
+        <p:spPr/>
+        <p:txBody>
+          <a:bodyPr/>
+          <a:lstStyle/>
+          <a:p>
+            <a:pPr marL="109728" indent="0">
+              <a:buNone/>
+            </a:pPr>
+            <a:r>
+              <a:rPr lang="en-US" dirty="0" smtClean="0"/>
+              <a:t> </a:t>
+            </a:r>
+            <a:endParaRPr lang="en-US" dirty="0"/>
+          </a:p>
+        </p:txBody>
+      </p:sp>
+      <p:sp>
+        <p:nvSpPr>
+          <p:cNvPr id="4" name="Rounded Rectangle 3"/>
+          <p:cNvSpPr/>
+          <p:nvPr/>
+        </p:nvSpPr>
+        <p:spPr>
+          <a:xfrm>
+            <a:off x="1219200" y="2133600"/>
+            <a:ext cx="2819400" cy="2514600"/>
+          </a:xfrm>
+          <a:prstGeom prst="roundRect">
+            <a:avLst/>
+          </a:prstGeom>
+        </p:spPr>
+        <p:style>
+          <a:lnRef idx="2">
+            <a:schemeClr val="accent1">
+              <a:shade val="50000"/>
+            </a:schemeClr>
+          </a:lnRef>
+          <a:fillRef idx="1">
+            <a:schemeClr val="accent1"/>
+          </a:fillRef>
+          <a:effectRef idx="0">
+            <a:schemeClr val="accent1"/>
+          </a:effectRef>
+          <a:fontRef idx="minor">
+            <a:schemeClr val="lt1"/>
+          </a:fontRef>
+        </p:style>
+        <p:txBody>
+          <a:bodyPr rtlCol="0" anchor="ctr"/>
+          <a:lstStyle/>
+          <a:p>
+            <a:pPr algn="ctr"/>
+            <a:r>
+              <a:rPr lang="en-US" sz="3200" b="1" dirty="0" smtClean="0">
+                <a:ln w="12700">
+                  <a:solidFill>
+                    <a:schemeClr val="tx2">
+                      <a:satMod val="155000"/>
+                    </a:schemeClr>
+                  </a:solidFill>
+                  <a:prstDash val="solid"/>
+                </a:ln>
+                <a:solidFill>
+                  <a:schemeClr val="bg2">
+                    <a:tint val="85000"/>
+                    <a:satMod val="155000"/>
+                  </a:schemeClr>
+                </a:solidFill>
+                <a:effectLst>
+                  <a:outerShdw blurRad="41275" dist="20320" dir="1800000" algn="tl" rotWithShape="0">
+                    <a:srgbClr val="000000">
+                      <a:alpha val="40000"/>
+                    </a:srgbClr>
+                  </a:outerShdw>
+                </a:effectLst>
+                <a:latin typeface="Aharoni" panose="02010803020104030203" pitchFamily="2" charset="-79"/>
+                <a:cs typeface="Aharoni" panose="02010803020104030203" pitchFamily="2" charset="-79"/>
+              </a:rPr>
+              <a:t>Time</a:t>
+            </a:r>
+            <a:r>
+              <a:rPr lang="en-US" sz="3200" b="1" dirty="0" smtClean="0">
+                <a:ln w="12700">
+                  <a:solidFill>
+                    <a:schemeClr val="tx2">
+                      <a:satMod val="155000"/>
+                    </a:schemeClr>
+                  </a:solidFill>
+                  <a:prstDash val="solid"/>
+                </a:ln>
+                <a:solidFill>
+                  <a:schemeClr val="bg2">
+                    <a:tint val="85000"/>
+                    <a:satMod val="155000"/>
+                  </a:schemeClr>
+                </a:solidFill>
+                <a:effectLst>
+                  <a:outerShdw blurRad="41275" dist="20320" dir="1800000" algn="tl" rotWithShape="0">
+                    <a:srgbClr val="000000">
+                      <a:alpha val="40000"/>
+                    </a:srgbClr>
+                  </a:outerShdw>
+                </a:effectLst>
+              </a:rPr>
+              <a:t> </a:t>
+            </a:r>
+          </a:p>
+          <a:p>
+            <a:pPr algn="ctr"/>
+            <a:r>
+              <a:rPr lang="en-US" sz="3200" b="1" dirty="0" smtClean="0">
+                <a:ln w="12700">
+                  <a:solidFill>
+                    <a:schemeClr val="tx2">
+                      <a:satMod val="155000"/>
+                    </a:schemeClr>
+                  </a:solidFill>
+                  <a:prstDash val="solid"/>
+                </a:ln>
+                <a:solidFill>
+                  <a:schemeClr val="bg2">
+                    <a:tint val="85000"/>
+                    <a:satMod val="155000"/>
+                  </a:schemeClr>
+                </a:solidFill>
+                <a:effectLst>
+                  <a:outerShdw blurRad="41275" dist="20320" dir="1800000" algn="tl" rotWithShape="0">
+                    <a:srgbClr val="000000">
+                      <a:alpha val="40000"/>
+                    </a:srgbClr>
+                  </a:outerShdw>
+                </a:effectLst>
+                <a:latin typeface="Aharoni" panose="02010803020104030203" pitchFamily="2" charset="-79"/>
+                <a:cs typeface="Aharoni" panose="02010803020104030203" pitchFamily="2" charset="-79"/>
+              </a:rPr>
+              <a:t>spent</a:t>
+            </a:r>
+            <a:endParaRPr lang="en-US" sz="3200" b="1" dirty="0">
+              <a:ln w="12700">
+                <a:solidFill>
+                  <a:schemeClr val="tx2">
+                    <a:satMod val="155000"/>
+                  </a:schemeClr>
+                </a:solidFill>
+                <a:prstDash val="solid"/>
+              </a:ln>
+              <a:solidFill>
+                <a:schemeClr val="bg2">
+                  <a:tint val="85000"/>
+                  <a:satMod val="155000"/>
+                </a:schemeClr>
+              </a:solidFill>
+              <a:effectLst>
+                <a:outerShdw blurRad="41275" dist="20320" dir="1800000" algn="tl" rotWithShape="0">
+                  <a:srgbClr val="000000">
+                    <a:alpha val="40000"/>
+                  </a:srgbClr>
+                </a:outerShdw>
+              </a:effectLst>
+              <a:latin typeface="Aharoni" panose="02010803020104030203" pitchFamily="2" charset="-79"/>
+              <a:cs typeface="Aharoni" panose="02010803020104030203" pitchFamily="2" charset="-79"/>
+            </a:endParaRPr>
+          </a:p>
+        </p:txBody>
+      </p:sp>
+      <p:sp>
+        <p:nvSpPr>
+          <p:cNvPr id="5" name="Rounded Rectangle 4"/>
+          <p:cNvSpPr/>
+          <p:nvPr/>
+        </p:nvSpPr>
+        <p:spPr>
+          <a:xfrm>
+            <a:off x="5257800" y="2133600"/>
+            <a:ext cx="2895600" cy="2394858"/>
+          </a:xfrm>
+          <a:prstGeom prst="roundRect">
+            <a:avLst/>
+          </a:prstGeom>
+        </p:spPr>
+        <p:style>
+          <a:lnRef idx="2">
+            <a:schemeClr val="accent1">
+              <a:shade val="50000"/>
+            </a:schemeClr>
+          </a:lnRef>
+          <a:fillRef idx="1">
+            <a:schemeClr val="accent1"/>
+          </a:fillRef>
+          <a:effectRef idx="0">
+            <a:schemeClr val="accent1"/>
+          </a:effectRef>
+          <a:fontRef idx="minor">
+            <a:schemeClr val="lt1"/>
+          </a:fontRef>
+        </p:style>
+        <p:txBody>
+          <a:bodyPr rtlCol="0" anchor="ctr"/>
+          <a:lstStyle/>
+          <a:p>
+            <a:pPr algn="ctr"/>
+            <a:r>
+              <a:rPr lang="en-US" sz="3200" b="1" dirty="0" smtClean="0">
+                <a:ln w="12700">
+                  <a:solidFill>
+                    <a:schemeClr val="tx2">
+                      <a:satMod val="155000"/>
+                    </a:schemeClr>
+                  </a:solidFill>
+                  <a:prstDash val="solid"/>
+                </a:ln>
+                <a:solidFill>
+                  <a:schemeClr val="bg2">
+                    <a:tint val="85000"/>
+                    <a:satMod val="155000"/>
+                  </a:schemeClr>
+                </a:solidFill>
+                <a:effectLst>
+                  <a:outerShdw blurRad="41275" dist="20320" dir="1800000" algn="tl" rotWithShape="0">
+                    <a:srgbClr val="000000">
+                      <a:alpha val="40000"/>
+                    </a:srgbClr>
+                  </a:outerShdw>
+                </a:effectLst>
+                <a:latin typeface="Aharoni" panose="02010803020104030203" pitchFamily="2" charset="-79"/>
+                <a:cs typeface="Aharoni" panose="02010803020104030203" pitchFamily="2" charset="-79"/>
+              </a:rPr>
+              <a:t>Time</a:t>
+            </a:r>
+          </a:p>
+          <a:p>
+            <a:pPr algn="ctr"/>
+            <a:r>
+              <a:rPr lang="en-US" sz="3200" b="1" dirty="0" smtClean="0">
+                <a:ln w="12700">
+                  <a:solidFill>
+                    <a:schemeClr val="tx2">
+                      <a:satMod val="155000"/>
+                    </a:schemeClr>
+                  </a:solidFill>
+                  <a:prstDash val="solid"/>
+                </a:ln>
+                <a:solidFill>
+                  <a:schemeClr val="bg2">
+                    <a:tint val="85000"/>
+                    <a:satMod val="155000"/>
+                  </a:schemeClr>
+                </a:solidFill>
+                <a:effectLst>
+                  <a:outerShdw blurRad="41275" dist="20320" dir="1800000" algn="tl" rotWithShape="0">
+                    <a:srgbClr val="000000">
+                      <a:alpha val="40000"/>
+                    </a:srgbClr>
+                  </a:outerShdw>
+                </a:effectLst>
+                <a:latin typeface="Aharoni" panose="02010803020104030203" pitchFamily="2" charset="-79"/>
+                <a:cs typeface="Aharoni" panose="02010803020104030203" pitchFamily="2" charset="-79"/>
+              </a:rPr>
+              <a:t>well </a:t>
+            </a:r>
+          </a:p>
+          <a:p>
+            <a:pPr algn="ctr"/>
+            <a:r>
+              <a:rPr lang="en-US" sz="3200" b="1" dirty="0" smtClean="0">
+                <a:ln w="12700">
+                  <a:solidFill>
+                    <a:schemeClr val="tx2">
+                      <a:satMod val="155000"/>
+                    </a:schemeClr>
+                  </a:solidFill>
+                  <a:prstDash val="solid"/>
+                </a:ln>
+                <a:solidFill>
+                  <a:schemeClr val="bg2">
+                    <a:tint val="85000"/>
+                    <a:satMod val="155000"/>
+                  </a:schemeClr>
+                </a:solidFill>
+                <a:effectLst>
+                  <a:outerShdw blurRad="41275" dist="20320" dir="1800000" algn="tl" rotWithShape="0">
+                    <a:srgbClr val="000000">
+                      <a:alpha val="40000"/>
+                    </a:srgbClr>
+                  </a:outerShdw>
+                </a:effectLst>
+                <a:latin typeface="Aharoni" panose="02010803020104030203" pitchFamily="2" charset="-79"/>
+                <a:cs typeface="Aharoni" panose="02010803020104030203" pitchFamily="2" charset="-79"/>
+              </a:rPr>
+              <a:t>spent</a:t>
+            </a:r>
+            <a:endParaRPr lang="en-US" sz="3200" b="1" dirty="0">
+              <a:ln w="12700">
+                <a:solidFill>
+                  <a:schemeClr val="tx2">
+                    <a:satMod val="155000"/>
+                  </a:schemeClr>
+                </a:solidFill>
+                <a:prstDash val="solid"/>
+              </a:ln>
+              <a:solidFill>
+                <a:schemeClr val="bg2">
+                  <a:tint val="85000"/>
+                  <a:satMod val="155000"/>
+                </a:schemeClr>
+              </a:solidFill>
+              <a:effectLst>
+                <a:outerShdw blurRad="41275" dist="20320" dir="1800000" algn="tl" rotWithShape="0">
+                  <a:srgbClr val="000000">
+                    <a:alpha val="40000"/>
+                  </a:srgbClr>
+                </a:outerShdw>
+              </a:effectLst>
+              <a:latin typeface="Aharoni" panose="02010803020104030203" pitchFamily="2" charset="-79"/>
+              <a:cs typeface="Aharoni" panose="02010803020104030203" pitchFamily="2" charset="-79"/>
+            </a:endParaRPr>
+          </a:p>
+        </p:txBody>
+      </p:sp>
+      <p:sp>
+        <p:nvSpPr>
+          <p:cNvPr id="6" name="Right Arrow 5"/>
+          <p:cNvSpPr/>
+          <p:nvPr/>
+        </p:nvSpPr>
+        <p:spPr>
+          <a:xfrm>
+            <a:off x="4191000" y="3276600"/>
+            <a:ext cx="990600" cy="457200"/>
+          </a:xfrm>
+          <a:prstGeom prst="rightArrow">
+            <a:avLst/>
+          </a:prstGeom>
+        </p:spPr>
+        <p:style>
+          <a:lnRef idx="2">
+            <a:schemeClr val="accent1">
+              <a:shade val="50000"/>
+            </a:schemeClr>
+          </a:lnRef>
+          <a:fillRef idx="1">
+            <a:schemeClr val="accent1"/>
+          </a:fillRef>
+          <a:effectRef idx="0">
+            <a:schemeClr val="accent1"/>
+          </a:effectRef>
+          <a:fontRef idx="minor">
+            <a:schemeClr val="lt1"/>
+          </a:fontRef>
+        </p:style>
+        <p:txBody>
+          <a:bodyPr rtlCol="0" anchor="ctr"/>
+          <a:lstStyle/>
+          <a:p>
+            <a:pPr algn="ctr"/>
+            <a:endParaRPr lang="en-US"/>
+          </a:p>
+        </p:txBody>
+      </p:sp>
+    </p:spTree>
+    <p:extLst>
+      <p:ext uri="{BB962C8B-B14F-4D97-AF65-F5344CB8AC3E}">
+        <p14:creationId xmlns:p14="http://schemas.microsoft.com/office/powerpoint/2010/main" val="1204520113"/>
+      </p:ext>
+    </p:extLst>
+  </p:cSld>
+  <p:clrMapOvr>
+    <a:masterClrMapping/>
+  </p:clrMapOvr>
+  <p:timing>
+    <p:tnLst>
+      <p:par>
+        <p:cTn id="1" dur="indefinite" restart="never" nodeType="tmRoot"/>
+      </p:par>
+    </p:tnLst>
+  </p:timing>
+</p:sld>
+</file>
+
+<file path=ppt/slides/slide13.xml><?xml version="1.0" encoding="utf-8"?>
+<p:sld xmlns:a="http://schemas.openxmlformats.org/drawingml/2006/main" xmlns:r="http://schemas.openxmlformats.org/officeDocument/2006/relationships" xmlns:p="http://schemas.openxmlformats.org/presentationml/2006/main">
+  <p:cSld>
+    <p:spTree>
+      <p:nvGrpSpPr>
+        <p:cNvPr id="1" name=""/>
+        <p:cNvGrpSpPr/>
+        <p:nvPr/>
+      </p:nvGrpSpPr>
+      <p:grpSpPr>
+        <a:xfrm>
+          <a:off x="0" y="0"/>
+          <a:ext cx="0" cy="0"/>
+          <a:chOff x="0" y="0"/>
+          <a:chExt cx="0" cy="0"/>
+        </a:xfrm>
+      </p:grpSpPr>
+      <p:sp>
+        <p:nvSpPr>
+          <p:cNvPr id="2" name="Content Placeholder 1"/>
+          <p:cNvSpPr>
+            <a:spLocks noGrp="1"/>
+          </p:cNvSpPr>
+          <p:nvPr>
+            <p:ph idx="1"/>
+          </p:nvPr>
+        </p:nvSpPr>
+        <p:spPr>
+          <a:xfrm>
+            <a:off x="2590800" y="2133600"/>
+            <a:ext cx="4419600" cy="1338072"/>
+          </a:xfrm>
+        </p:spPr>
+        <p:txBody>
+          <a:bodyPr>
+            <a:noAutofit/>
+          </a:bodyPr>
+          <a:lstStyle/>
+          <a:p>
+            <a:pPr marL="109728" indent="0" algn="ctr">
+              <a:buNone/>
+            </a:pPr>
+            <a:r>
+              <a:rPr lang="en-US" sz="7200" b="1" spc="300" dirty="0" smtClean="0">
+                <a:ln w="11430" cmpd="sng">
+                  <a:solidFill>
+                    <a:schemeClr val="accent1">
+                      <a:tint val="10000"/>
+                    </a:schemeClr>
+                  </a:solidFill>
+                  <a:prstDash val="solid"/>
+                  <a:miter lim="800000"/>
+                </a:ln>
+                <a:gradFill>
+                  <a:gsLst>
+                    <a:gs pos="10000">
+                      <a:schemeClr val="accent1">
+                        <a:tint val="83000"/>
+                        <a:shade val="100000"/>
+                        <a:satMod val="200000"/>
+                      </a:schemeClr>
+                    </a:gs>
+                    <a:gs pos="75000">
+                      <a:schemeClr val="accent1">
+                        <a:tint val="100000"/>
+                        <a:shade val="50000"/>
+                        <a:satMod val="150000"/>
+                      </a:schemeClr>
+                    </a:gs>
+                  </a:gsLst>
+                  <a:lin ang="5400000"/>
+                </a:gradFill>
+                <a:effectLst>
+                  <a:glow rad="45500">
+                    <a:schemeClr val="accent1">
+                      <a:satMod val="220000"/>
+                      <a:alpha val="35000"/>
+                    </a:schemeClr>
+                  </a:glow>
+                </a:effectLst>
+              </a:rPr>
+              <a:t>THANK YOU!!</a:t>
+            </a:r>
+            <a:endParaRPr lang="en-US" sz="7200" b="1" spc="300" dirty="0">
+              <a:ln w="11430" cmpd="sng">
+                <a:solidFill>
+                  <a:schemeClr val="accent1">
+                    <a:tint val="10000"/>
+                  </a:schemeClr>
+                </a:solidFill>
+                <a:prstDash val="solid"/>
+                <a:miter lim="800000"/>
+              </a:ln>
+              <a:gradFill>
+                <a:gsLst>
+                  <a:gs pos="10000">
+                    <a:schemeClr val="accent1">
+                      <a:tint val="83000"/>
+                      <a:shade val="100000"/>
+                      <a:satMod val="200000"/>
+                    </a:schemeClr>
+                  </a:gs>
+                  <a:gs pos="75000">
+                    <a:schemeClr val="accent1">
+                      <a:tint val="100000"/>
+                      <a:shade val="50000"/>
+                      <a:satMod val="150000"/>
+                    </a:schemeClr>
+                  </a:gs>
+                </a:gsLst>
+                <a:lin ang="5400000"/>
+              </a:gradFill>
+              <a:effectLst>
+                <a:glow rad="45500">
+                  <a:schemeClr val="accent1">
+                    <a:satMod val="220000"/>
+                    <a:alpha val="35000"/>
+                  </a:schemeClr>
+                </a:glow>
+              </a:effectLst>
+            </a:endParaRPr>
+          </a:p>
+        </p:txBody>
+      </p:sp>
+    </p:spTree>
+    <p:extLst>
+      <p:ext uri="{BB962C8B-B14F-4D97-AF65-F5344CB8AC3E}">
+        <p14:creationId xmlns:p14="http://schemas.microsoft.com/office/powerpoint/2010/main" val="2298467854"/>
+      </p:ext>
+    </p:extLst>
+  </p:cSld>
+  <p:clrMapOvr>
+    <a:masterClrMapping/>
+  </p:clrMapOvr>
+  <p:timing>
+    <p:tnLst>
+      <p:par>
+        <p:cTn id="1" dur="indefinite" restart="never" nodeType="tmRoot"/>
+      </p:par>
+    </p:tnLst>
+  </p:timing>
 </p:sld>
 </file>
 
@@ -4837,6 +5514,13 @@
   <p:clrMapOvr>
     <a:masterClrMapping/>
   </p:clrMapOvr>
+  <p:timing>
+    <p:tnLst>
+      <p:par>
+        <p:cTn id="1" dur="indefinite" restart="never" nodeType="tmRoot"/>
+      </p:par>
+    </p:tnLst>
+  </p:timing>
 </p:sld>
 </file>
 
@@ -4923,6 +5607,13 @@
   <p:clrMapOvr>
     <a:masterClrMapping/>
   </p:clrMapOvr>
+  <p:timing>
+    <p:tnLst>
+      <p:par>
+        <p:cTn id="1" dur="indefinite" restart="never" nodeType="tmRoot"/>
+      </p:par>
+    </p:tnLst>
+  </p:timing>
 </p:sld>
 </file>
 
@@ -5063,6 +5754,13 @@
   <p:clrMapOvr>
     <a:masterClrMapping/>
   </p:clrMapOvr>
+  <p:timing>
+    <p:tnLst>
+      <p:par>
+        <p:cTn id="1" dur="indefinite" restart="never" nodeType="tmRoot"/>
+      </p:par>
+    </p:tnLst>
+  </p:timing>
 </p:sld>
 </file>
 
@@ -5190,6 +5888,13 @@
   <p:clrMapOvr>
     <a:masterClrMapping/>
   </p:clrMapOvr>
+  <p:timing>
+    <p:tnLst>
+      <p:par>
+        <p:cTn id="1" dur="indefinite" restart="never" nodeType="tmRoot"/>
+      </p:par>
+    </p:tnLst>
+  </p:timing>
 </p:sld>
 </file>
 
@@ -5302,6 +6007,13 @@
   <p:clrMapOvr>
     <a:masterClrMapping/>
   </p:clrMapOvr>
+  <p:timing>
+    <p:tnLst>
+      <p:par>
+        <p:cTn id="1" dur="indefinite" restart="never" nodeType="tmRoot"/>
+      </p:par>
+    </p:tnLst>
+  </p:timing>
 </p:sld>
 </file>
 
@@ -5387,6 +6099,13 @@
   <p:clrMapOvr>
     <a:masterClrMapping/>
   </p:clrMapOvr>
+  <p:timing>
+    <p:tnLst>
+      <p:par>
+        <p:cTn id="1" dur="indefinite" restart="never" nodeType="tmRoot"/>
+      </p:par>
+    </p:tnLst>
+  </p:timing>
 </p:sld>
 </file>
 
@@ -5471,6 +6190,13 @@
   <p:clrMapOvr>
     <a:masterClrMapping/>
   </p:clrMapOvr>
+  <p:timing>
+    <p:tnLst>
+      <p:par>
+        <p:cTn id="1" dur="indefinite" restart="never" nodeType="tmRoot"/>
+      </p:par>
+    </p:tnLst>
+  </p:timing>
 </p:sld>
 </file>
 
@@ -5555,6 +6281,13 @@
   <p:clrMapOvr>
     <a:masterClrMapping/>
   </p:clrMapOvr>
+  <p:timing>
+    <p:tnLst>
+      <p:par>
+        <p:cTn id="1" dur="indefinite" restart="never" nodeType="tmRoot"/>
+      </p:par>
+    </p:tnLst>
+  </p:timing>
 </p:sld>
 </file>
 

--- a/How better tech could protect us from distraction.pptx
+++ b/How better tech could protect us from distraction.pptx
@@ -6,18 +6,17 @@
   </p:sldMasterIdLst>
   <p:sldIdLst>
     <p:sldId id="256" r:id="rId2"/>
-    <p:sldId id="257" r:id="rId3"/>
-    <p:sldId id="259" r:id="rId4"/>
-    <p:sldId id="258" r:id="rId5"/>
-    <p:sldId id="261" r:id="rId6"/>
-    <p:sldId id="262" r:id="rId7"/>
-    <p:sldId id="263" r:id="rId8"/>
-    <p:sldId id="264" r:id="rId9"/>
-    <p:sldId id="265" r:id="rId10"/>
-    <p:sldId id="266" r:id="rId11"/>
-    <p:sldId id="267" r:id="rId12"/>
-    <p:sldId id="268" r:id="rId13"/>
-    <p:sldId id="269" r:id="rId14"/>
+    <p:sldId id="259" r:id="rId3"/>
+    <p:sldId id="258" r:id="rId4"/>
+    <p:sldId id="261" r:id="rId5"/>
+    <p:sldId id="262" r:id="rId6"/>
+    <p:sldId id="263" r:id="rId7"/>
+    <p:sldId id="264" r:id="rId8"/>
+    <p:sldId id="265" r:id="rId9"/>
+    <p:sldId id="266" r:id="rId10"/>
+    <p:sldId id="267" r:id="rId11"/>
+    <p:sldId id="268" r:id="rId12"/>
+    <p:sldId id="269" r:id="rId13"/>
   </p:sldIdLst>
   <p:sldSz cx="9144000" cy="6858000" type="screen4x3"/>
   <p:notesSz cx="6858000" cy="9144000"/>
@@ -744,6 +743,7 @@
           <a:p>
             <a:fld id="{BD7F7306-E02B-480F-A919-76C523E18C5D}" type="datetimeFigureOut">
               <a:rPr lang="en-US" smtClean="0"/>
+              <a:pPr/>
               <a:t>9/26/2017</a:t>
             </a:fld>
             <a:endParaRPr lang="en-US"/>
@@ -806,6 +806,7 @@
           <a:p>
             <a:fld id="{336CE536-8F8F-4689-BBCC-B0928913365E}" type="slidenum">
               <a:rPr lang="en-US" smtClean="0"/>
+              <a:pPr/>
               <a:t>‹#›</a:t>
             </a:fld>
             <a:endParaRPr lang="en-US"/>
@@ -940,6 +941,7 @@
           <a:p>
             <a:fld id="{BD7F7306-E02B-480F-A919-76C523E18C5D}" type="datetimeFigureOut">
               <a:rPr lang="en-US" smtClean="0"/>
+              <a:pPr/>
               <a:t>9/26/2017</a:t>
             </a:fld>
             <a:endParaRPr lang="en-US"/>
@@ -986,6 +988,7 @@
           <a:p>
             <a:fld id="{336CE536-8F8F-4689-BBCC-B0928913365E}" type="slidenum">
               <a:rPr lang="en-US" smtClean="0"/>
+              <a:pPr/>
               <a:t>‹#›</a:t>
             </a:fld>
             <a:endParaRPr lang="en-US"/>
@@ -1125,6 +1128,7 @@
           <a:p>
             <a:fld id="{BD7F7306-E02B-480F-A919-76C523E18C5D}" type="datetimeFigureOut">
               <a:rPr lang="en-US" smtClean="0"/>
+              <a:pPr/>
               <a:t>9/26/2017</a:t>
             </a:fld>
             <a:endParaRPr lang="en-US"/>
@@ -1171,6 +1175,7 @@
           <a:p>
             <a:fld id="{336CE536-8F8F-4689-BBCC-B0928913365E}" type="slidenum">
               <a:rPr lang="en-US" smtClean="0"/>
+              <a:pPr/>
               <a:t>‹#›</a:t>
             </a:fld>
             <a:endParaRPr lang="en-US"/>
@@ -1275,6 +1280,7 @@
           <a:p>
             <a:fld id="{BD7F7306-E02B-480F-A919-76C523E18C5D}" type="datetimeFigureOut">
               <a:rPr lang="en-US" smtClean="0"/>
+              <a:pPr/>
               <a:t>9/26/2017</a:t>
             </a:fld>
             <a:endParaRPr lang="en-US"/>
@@ -1321,6 +1327,7 @@
           <a:p>
             <a:fld id="{336CE536-8F8F-4689-BBCC-B0928913365E}" type="slidenum">
               <a:rPr lang="en-US" smtClean="0"/>
+              <a:pPr/>
               <a:t>‹#›</a:t>
             </a:fld>
             <a:endParaRPr lang="en-US"/>
@@ -1530,6 +1537,7 @@
           <a:p>
             <a:fld id="{BD7F7306-E02B-480F-A919-76C523E18C5D}" type="datetimeFigureOut">
               <a:rPr lang="en-US" smtClean="0"/>
+              <a:pPr/>
               <a:t>9/26/2017</a:t>
             </a:fld>
             <a:endParaRPr lang="en-US"/>
@@ -1576,6 +1584,7 @@
           <a:p>
             <a:fld id="{336CE536-8F8F-4689-BBCC-B0928913365E}" type="slidenum">
               <a:rPr lang="en-US" smtClean="0"/>
+              <a:pPr/>
               <a:t>‹#›</a:t>
             </a:fld>
             <a:endParaRPr lang="en-US"/>
@@ -1939,6 +1948,7 @@
           <a:p>
             <a:fld id="{BD7F7306-E02B-480F-A919-76C523E18C5D}" type="datetimeFigureOut">
               <a:rPr lang="en-US" smtClean="0"/>
+              <a:pPr/>
               <a:t>9/26/2017</a:t>
             </a:fld>
             <a:endParaRPr lang="en-US"/>
@@ -1985,6 +1995,7 @@
           <a:p>
             <a:fld id="{336CE536-8F8F-4689-BBCC-B0928913365E}" type="slidenum">
               <a:rPr lang="en-US" smtClean="0"/>
+              <a:pPr/>
               <a:t>‹#›</a:t>
             </a:fld>
             <a:endParaRPr lang="en-US"/>
@@ -2385,6 +2396,7 @@
           <a:p>
             <a:fld id="{BD7F7306-E02B-480F-A919-76C523E18C5D}" type="datetimeFigureOut">
               <a:rPr lang="en-US" smtClean="0"/>
+              <a:pPr/>
               <a:t>9/26/2017</a:t>
             </a:fld>
             <a:endParaRPr lang="en-US"/>
@@ -2431,6 +2443,7 @@
           <a:p>
             <a:fld id="{336CE536-8F8F-4689-BBCC-B0928913365E}" type="slidenum">
               <a:rPr lang="en-US" smtClean="0"/>
+              <a:pPr/>
               <a:t>‹#›</a:t>
             </a:fld>
             <a:endParaRPr lang="en-US"/>
@@ -2486,6 +2499,7 @@
           <a:p>
             <a:fld id="{BD7F7306-E02B-480F-A919-76C523E18C5D}" type="datetimeFigureOut">
               <a:rPr lang="en-US" smtClean="0"/>
+              <a:pPr/>
               <a:t>9/26/2017</a:t>
             </a:fld>
             <a:endParaRPr lang="en-US"/>
@@ -2532,6 +2546,7 @@
           <a:p>
             <a:fld id="{336CE536-8F8F-4689-BBCC-B0928913365E}" type="slidenum">
               <a:rPr lang="en-US" smtClean="0"/>
+              <a:pPr/>
               <a:t>‹#›</a:t>
             </a:fld>
             <a:endParaRPr lang="en-US"/>
@@ -2607,6 +2622,7 @@
           <a:p>
             <a:fld id="{BD7F7306-E02B-480F-A919-76C523E18C5D}" type="datetimeFigureOut">
               <a:rPr lang="en-US" smtClean="0"/>
+              <a:pPr/>
               <a:t>9/26/2017</a:t>
             </a:fld>
             <a:endParaRPr lang="en-US"/>
@@ -2653,6 +2669,7 @@
           <a:p>
             <a:fld id="{336CE536-8F8F-4689-BBCC-B0928913365E}" type="slidenum">
               <a:rPr lang="en-US" smtClean="0"/>
+              <a:pPr/>
               <a:t>‹#›</a:t>
             </a:fld>
             <a:endParaRPr lang="en-US"/>
@@ -2881,6 +2898,7 @@
           <a:p>
             <a:fld id="{BD7F7306-E02B-480F-A919-76C523E18C5D}" type="datetimeFigureOut">
               <a:rPr lang="en-US" smtClean="0"/>
+              <a:pPr/>
               <a:t>9/26/2017</a:t>
             </a:fld>
             <a:endParaRPr lang="en-US"/>
@@ -2927,6 +2945,7 @@
           <a:p>
             <a:fld id="{336CE536-8F8F-4689-BBCC-B0928913365E}" type="slidenum">
               <a:rPr lang="en-US" smtClean="0"/>
+              <a:pPr/>
               <a:t>‹#›</a:t>
             </a:fld>
             <a:endParaRPr lang="en-US"/>
@@ -3086,6 +3105,7 @@
           <a:p>
             <a:fld id="{BD7F7306-E02B-480F-A919-76C523E18C5D}" type="datetimeFigureOut">
               <a:rPr lang="en-US" smtClean="0"/>
+              <a:pPr/>
               <a:t>9/26/2017</a:t>
             </a:fld>
             <a:endParaRPr lang="en-US"/>
@@ -3151,6 +3171,7 @@
           <a:p>
             <a:fld id="{336CE536-8F8F-4689-BBCC-B0928913365E}" type="slidenum">
               <a:rPr lang="en-US" smtClean="0"/>
+              <a:pPr/>
               <a:t>‹#›</a:t>
             </a:fld>
             <a:endParaRPr lang="en-US"/>
@@ -4195,6 +4216,7 @@
           <a:p>
             <a:fld id="{BD7F7306-E02B-480F-A919-76C523E18C5D}" type="datetimeFigureOut">
               <a:rPr lang="en-US" smtClean="0"/>
+              <a:pPr/>
               <a:t>9/26/2017</a:t>
             </a:fld>
             <a:endParaRPr lang="en-US"/>
@@ -4271,6 +4293,7 @@
           <a:p>
             <a:fld id="{336CE536-8F8F-4689-BBCC-B0928913365E}" type="slidenum">
               <a:rPr lang="en-US" smtClean="0"/>
+              <a:pPr/>
               <a:t>‹#›</a:t>
             </a:fld>
             <a:endParaRPr lang="en-US"/>
@@ -4648,38 +4671,36 @@
         </p:nvSpPr>
         <p:spPr>
           <a:xfrm>
-            <a:off x="3276600" y="4419600"/>
+            <a:off x="3352800" y="3962400"/>
             <a:ext cx="5334000" cy="762000"/>
           </a:xfrm>
         </p:spPr>
         <p:txBody>
-          <a:bodyPr/>
+          <a:bodyPr>
+            <a:noAutofit/>
+          </a:bodyPr>
           <a:lstStyle/>
           <a:p>
             <a:r>
-              <a:rPr lang="en-US" dirty="0" smtClean="0"/>
-              <a:t>-</a:t>
-            </a:r>
-            <a:r>
-              <a:rPr lang="en-US" dirty="0" err="1" smtClean="0"/>
-              <a:t>Tayyab</a:t>
-            </a:r>
-            <a:r>
-              <a:rPr lang="en-US" dirty="0" smtClean="0"/>
-              <a:t> L. </a:t>
-            </a:r>
-            <a:r>
-              <a:rPr lang="en-US" dirty="0" err="1" smtClean="0"/>
-              <a:t>Tamboli</a:t>
-            </a:r>
-            <a:endParaRPr lang="en-US" dirty="0"/>
+              <a:rPr lang="en-US" sz="2800" dirty="0" smtClean="0"/>
+              <a:t>Talk by – Tristan Harris</a:t>
+            </a:r>
+          </a:p>
+          <a:p>
+            <a:r>
+              <a:rPr lang="en-US" sz="2800" dirty="0" smtClean="0"/>
+              <a:t>(Design Thinker)</a:t>
+            </a:r>
+          </a:p>
+          <a:p>
+            <a:endParaRPr lang="en-US" sz="2800" dirty="0"/>
           </a:p>
         </p:txBody>
       </p:sp>
     </p:spTree>
     <p:extLst>
       <p:ext uri="{BB962C8B-B14F-4D97-AF65-F5344CB8AC3E}">
-        <p14:creationId xmlns:p14="http://schemas.microsoft.com/office/powerpoint/2010/main" val="2764664910"/>
+        <p14:creationId xmlns:p14="http://schemas.microsoft.com/office/powerpoint/2010/main" xmlns="" val="2764664910"/>
       </p:ext>
     </p:extLst>
   </p:cSld>
@@ -4715,7 +4736,7 @@
       </p:grpSpPr>
       <p:sp>
         <p:nvSpPr>
-          <p:cNvPr id="3" name="Content Placeholder 2"/>
+          <p:cNvPr id="2" name="Content Placeholder 1"/>
           <p:cNvSpPr>
             <a:spLocks noGrp="1"/>
           </p:cNvSpPr>
@@ -4725,8 +4746,8 @@
         </p:nvSpPr>
         <p:spPr>
           <a:xfrm>
-            <a:off x="685800" y="1905000"/>
-            <a:ext cx="8229600" cy="4495800"/>
+            <a:off x="457200" y="2299380"/>
+            <a:ext cx="8534400" cy="4525963"/>
           </a:xfrm>
         </p:spPr>
         <p:txBody>
@@ -4735,51 +4756,61 @@
           <a:p>
             <a:r>
               <a:rPr lang="en-US" dirty="0" smtClean="0"/>
-              <a:t>Previous design goal:</a:t>
-            </a:r>
-          </a:p>
-          <a:p>
-            <a:pPr lvl="1"/>
+              <a:t>Company leaders – Prioritize new matric</a:t>
+            </a:r>
+          </a:p>
+          <a:p>
+            <a:endParaRPr lang="en-US" dirty="0"/>
+          </a:p>
+          <a:p>
             <a:r>
               <a:rPr lang="en-US" dirty="0" smtClean="0"/>
-              <a:t>Send message quickly and easily.</a:t>
-            </a:r>
-          </a:p>
-          <a:p>
-            <a:pPr marL="457200" lvl="1" indent="0">
-              <a:buNone/>
-            </a:pPr>
-            <a:endParaRPr lang="en-US" dirty="0" smtClean="0"/>
+              <a:t>Designer – Redefine the design</a:t>
+            </a:r>
+          </a:p>
+          <a:p>
+            <a:endParaRPr lang="en-US" dirty="0"/>
           </a:p>
           <a:p>
             <a:r>
               <a:rPr lang="en-US" dirty="0" smtClean="0"/>
-              <a:t>Human design goal:</a:t>
-            </a:r>
-          </a:p>
-          <a:p>
-            <a:pPr lvl="1"/>
+              <a:t>Users – Demand technology that work this way</a:t>
+            </a:r>
+          </a:p>
+        </p:txBody>
+      </p:sp>
+      <p:sp>
+        <p:nvSpPr>
+          <p:cNvPr id="3" name="Title 2"/>
+          <p:cNvSpPr>
+            <a:spLocks noGrp="1"/>
+          </p:cNvSpPr>
+          <p:nvPr>
+            <p:ph type="title"/>
+          </p:nvPr>
+        </p:nvSpPr>
+        <p:spPr>
+          <a:xfrm>
+            <a:off x="457200" y="609600"/>
+            <a:ext cx="8229600" cy="1143000"/>
+          </a:xfrm>
+        </p:spPr>
+        <p:txBody>
+          <a:bodyPr/>
+          <a:lstStyle/>
+          <a:p>
             <a:r>
               <a:rPr lang="en-US" dirty="0" smtClean="0"/>
-              <a:t>High-quality communication and relationship.</a:t>
-            </a:r>
-          </a:p>
-          <a:p>
-            <a:pPr lvl="1"/>
-            <a:endParaRPr lang="en-US" dirty="0" smtClean="0"/>
-          </a:p>
-          <a:p>
-            <a:pPr marL="457200" lvl="1" indent="0">
-              <a:buNone/>
-            </a:pPr>
-            <a:endParaRPr lang="en-US" dirty="0" smtClean="0"/>
+              <a:t>We can create this world today!</a:t>
+            </a:r>
+            <a:endParaRPr lang="en-US" dirty="0"/>
           </a:p>
         </p:txBody>
       </p:sp>
     </p:spTree>
     <p:extLst>
       <p:ext uri="{BB962C8B-B14F-4D97-AF65-F5344CB8AC3E}">
-        <p14:creationId xmlns:p14="http://schemas.microsoft.com/office/powerpoint/2010/main" val="4092471290"/>
+        <p14:creationId xmlns:p14="http://schemas.microsoft.com/office/powerpoint/2010/main" xmlns="" val="240742119"/>
       </p:ext>
     </p:extLst>
   </p:cSld>
@@ -4823,73 +4854,348 @@
             <p:ph idx="1"/>
           </p:nvPr>
         </p:nvSpPr>
+        <p:spPr/>
+        <p:txBody>
+          <a:bodyPr/>
+          <a:lstStyle/>
+          <a:p>
+            <a:pPr marL="109728" indent="0">
+              <a:buNone/>
+            </a:pPr>
+            <a:r>
+              <a:rPr lang="en-US" dirty="0" smtClean="0"/>
+              <a:t> </a:t>
+            </a:r>
+            <a:endParaRPr lang="en-US" dirty="0"/>
+          </a:p>
+        </p:txBody>
+      </p:sp>
+      <p:sp>
+        <p:nvSpPr>
+          <p:cNvPr id="4" name="Rounded Rectangle 3"/>
+          <p:cNvSpPr/>
+          <p:nvPr/>
+        </p:nvSpPr>
         <p:spPr>
           <a:xfrm>
-            <a:off x="457200" y="2299380"/>
-            <a:ext cx="8534400" cy="4525963"/>
+            <a:off x="1219200" y="2133600"/>
+            <a:ext cx="2819400" cy="2667000"/>
           </a:xfrm>
+          <a:prstGeom prst="roundRect">
+            <a:avLst/>
+          </a:prstGeom>
         </p:spPr>
-        <p:txBody>
-          <a:bodyPr/>
+        <p:style>
+          <a:lnRef idx="1">
+            <a:schemeClr val="accent4"/>
+          </a:lnRef>
+          <a:fillRef idx="2">
+            <a:schemeClr val="accent4"/>
+          </a:fillRef>
+          <a:effectRef idx="1">
+            <a:schemeClr val="accent4"/>
+          </a:effectRef>
+          <a:fontRef idx="minor">
+            <a:schemeClr val="dk1"/>
+          </a:fontRef>
+        </p:style>
+        <p:txBody>
+          <a:bodyPr rtlCol="0" anchor="ctr"/>
           <a:lstStyle/>
           <a:p>
-            <a:r>
-              <a:rPr lang="en-US" dirty="0" smtClean="0"/>
-              <a:t>Company leaders – Prioritize new matric</a:t>
-            </a:r>
-          </a:p>
-          <a:p>
-            <a:endParaRPr lang="en-US" dirty="0"/>
-          </a:p>
-          <a:p>
-            <a:r>
-              <a:rPr lang="en-US" dirty="0" smtClean="0"/>
-              <a:t>Designer – Redefine the design</a:t>
-            </a:r>
-          </a:p>
-          <a:p>
-            <a:endParaRPr lang="en-US" dirty="0"/>
-          </a:p>
-          <a:p>
-            <a:r>
-              <a:rPr lang="en-US" dirty="0" smtClean="0"/>
-              <a:t>Users – Demand technology that work this way</a:t>
-            </a:r>
-          </a:p>
-        </p:txBody>
-      </p:sp>
-      <p:sp>
-        <p:nvSpPr>
-          <p:cNvPr id="3" name="Title 2"/>
-          <p:cNvSpPr>
-            <a:spLocks noGrp="1"/>
-          </p:cNvSpPr>
-          <p:nvPr>
-            <p:ph type="title"/>
-          </p:nvPr>
+            <a:pPr algn="ctr"/>
+            <a:r>
+              <a:rPr lang="en-US" sz="4400" b="1" dirty="0" smtClean="0">
+                <a:ln w="19050">
+                  <a:solidFill>
+                    <a:schemeClr val="tx2">
+                      <a:tint val="1000"/>
+                    </a:schemeClr>
+                  </a:solidFill>
+                  <a:prstDash val="solid"/>
+                </a:ln>
+                <a:solidFill>
+                  <a:schemeClr val="accent3"/>
+                </a:solidFill>
+                <a:effectLst>
+                  <a:outerShdw blurRad="50000" dist="50800" dir="7500000" algn="tl">
+                    <a:srgbClr val="000000">
+                      <a:shade val="5000"/>
+                      <a:alpha val="35000"/>
+                    </a:srgbClr>
+                  </a:outerShdw>
+                </a:effectLst>
+                <a:latin typeface="Arial Black" pitchFamily="34" charset="0"/>
+                <a:cs typeface="Aharoni" panose="02010803020104030203" pitchFamily="2" charset="-79"/>
+              </a:rPr>
+              <a:t>Time</a:t>
+            </a:r>
+            <a:r>
+              <a:rPr lang="en-US" sz="4400" b="1" dirty="0" smtClean="0">
+                <a:ln w="19050">
+                  <a:solidFill>
+                    <a:schemeClr val="tx2">
+                      <a:tint val="1000"/>
+                    </a:schemeClr>
+                  </a:solidFill>
+                  <a:prstDash val="solid"/>
+                </a:ln>
+                <a:solidFill>
+                  <a:schemeClr val="accent3"/>
+                </a:solidFill>
+                <a:effectLst>
+                  <a:outerShdw blurRad="50000" dist="50800" dir="7500000" algn="tl">
+                    <a:srgbClr val="000000">
+                      <a:shade val="5000"/>
+                      <a:alpha val="35000"/>
+                    </a:srgbClr>
+                  </a:outerShdw>
+                </a:effectLst>
+                <a:latin typeface="Arial Black" pitchFamily="34" charset="0"/>
+              </a:rPr>
+              <a:t> </a:t>
+            </a:r>
+          </a:p>
+          <a:p>
+            <a:pPr algn="ctr"/>
+            <a:r>
+              <a:rPr lang="en-US" sz="4400" b="1" dirty="0" smtClean="0">
+                <a:ln w="19050">
+                  <a:solidFill>
+                    <a:schemeClr val="tx2">
+                      <a:tint val="1000"/>
+                    </a:schemeClr>
+                  </a:solidFill>
+                  <a:prstDash val="solid"/>
+                </a:ln>
+                <a:solidFill>
+                  <a:schemeClr val="accent3"/>
+                </a:solidFill>
+                <a:effectLst>
+                  <a:outerShdw blurRad="50000" dist="50800" dir="7500000" algn="tl">
+                    <a:srgbClr val="000000">
+                      <a:shade val="5000"/>
+                      <a:alpha val="35000"/>
+                    </a:srgbClr>
+                  </a:outerShdw>
+                </a:effectLst>
+                <a:latin typeface="Arial Black" pitchFamily="34" charset="0"/>
+                <a:cs typeface="Aharoni" panose="02010803020104030203" pitchFamily="2" charset="-79"/>
+              </a:rPr>
+              <a:t>spent</a:t>
+            </a:r>
+            <a:endParaRPr lang="en-US" sz="4400" b="1" dirty="0">
+              <a:ln w="19050">
+                <a:solidFill>
+                  <a:schemeClr val="tx2">
+                    <a:tint val="1000"/>
+                  </a:schemeClr>
+                </a:solidFill>
+                <a:prstDash val="solid"/>
+              </a:ln>
+              <a:solidFill>
+                <a:schemeClr val="accent3"/>
+              </a:solidFill>
+              <a:effectLst>
+                <a:outerShdw blurRad="50000" dist="50800" dir="7500000" algn="tl">
+                  <a:srgbClr val="000000">
+                    <a:shade val="5000"/>
+                    <a:alpha val="35000"/>
+                  </a:srgbClr>
+                </a:outerShdw>
+              </a:effectLst>
+              <a:latin typeface="Arial Black" pitchFamily="34" charset="0"/>
+              <a:cs typeface="Aharoni" panose="02010803020104030203" pitchFamily="2" charset="-79"/>
+            </a:endParaRPr>
+          </a:p>
+        </p:txBody>
+      </p:sp>
+      <p:sp>
+        <p:nvSpPr>
+          <p:cNvPr id="5" name="Rounded Rectangle 4"/>
+          <p:cNvSpPr/>
+          <p:nvPr/>
         </p:nvSpPr>
         <p:spPr>
           <a:xfrm>
-            <a:off x="457200" y="609600"/>
-            <a:ext cx="8229600" cy="1143000"/>
+            <a:off x="5257800" y="2133600"/>
+            <a:ext cx="2895600" cy="2667000"/>
           </a:xfrm>
+          <a:prstGeom prst="roundRect">
+            <a:avLst/>
+          </a:prstGeom>
         </p:spPr>
-        <p:txBody>
-          <a:bodyPr/>
+        <p:style>
+          <a:lnRef idx="1">
+            <a:schemeClr val="accent4"/>
+          </a:lnRef>
+          <a:fillRef idx="2">
+            <a:schemeClr val="accent4"/>
+          </a:fillRef>
+          <a:effectRef idx="1">
+            <a:schemeClr val="accent4"/>
+          </a:effectRef>
+          <a:fontRef idx="minor">
+            <a:schemeClr val="dk1"/>
+          </a:fontRef>
+        </p:style>
+        <p:txBody>
+          <a:bodyPr rtlCol="0" anchor="ctr"/>
           <a:lstStyle/>
           <a:p>
-            <a:r>
-              <a:rPr lang="en-US" dirty="0" smtClean="0"/>
-              <a:t>We can create this world today!</a:t>
-            </a:r>
-            <a:endParaRPr lang="en-US" dirty="0"/>
+            <a:pPr algn="ctr"/>
+            <a:r>
+              <a:rPr lang="en-US" sz="4400" b="1" dirty="0" smtClean="0">
+                <a:ln w="19050">
+                  <a:solidFill>
+                    <a:schemeClr val="tx2">
+                      <a:tint val="1000"/>
+                    </a:schemeClr>
+                  </a:solidFill>
+                  <a:prstDash val="solid"/>
+                </a:ln>
+                <a:solidFill>
+                  <a:schemeClr val="accent3"/>
+                </a:solidFill>
+                <a:effectLst>
+                  <a:outerShdw blurRad="50000" dist="50800" dir="7500000" algn="tl">
+                    <a:srgbClr val="000000">
+                      <a:shade val="5000"/>
+                      <a:alpha val="35000"/>
+                    </a:srgbClr>
+                  </a:outerShdw>
+                </a:effectLst>
+                <a:latin typeface="Arial Black" pitchFamily="34" charset="0"/>
+                <a:cs typeface="Aharoni" panose="02010803020104030203" pitchFamily="2" charset="-79"/>
+              </a:rPr>
+              <a:t>Time</a:t>
+            </a:r>
+          </a:p>
+          <a:p>
+            <a:pPr algn="ctr"/>
+            <a:r>
+              <a:rPr lang="en-US" sz="4400" b="1" dirty="0" smtClean="0">
+                <a:ln w="19050">
+                  <a:solidFill>
+                    <a:schemeClr val="tx2">
+                      <a:tint val="1000"/>
+                    </a:schemeClr>
+                  </a:solidFill>
+                  <a:prstDash val="solid"/>
+                </a:ln>
+                <a:solidFill>
+                  <a:schemeClr val="accent3"/>
+                </a:solidFill>
+                <a:effectLst>
+                  <a:outerShdw blurRad="50000" dist="50800" dir="7500000" algn="tl">
+                    <a:srgbClr val="000000">
+                      <a:shade val="5000"/>
+                      <a:alpha val="35000"/>
+                    </a:srgbClr>
+                  </a:outerShdw>
+                </a:effectLst>
+                <a:latin typeface="Arial Black" pitchFamily="34" charset="0"/>
+                <a:cs typeface="Aharoni" panose="02010803020104030203" pitchFamily="2" charset="-79"/>
+              </a:rPr>
+              <a:t>well </a:t>
+            </a:r>
+          </a:p>
+          <a:p>
+            <a:pPr algn="ctr"/>
+            <a:r>
+              <a:rPr lang="en-US" sz="4400" b="1" dirty="0" smtClean="0">
+                <a:ln w="19050">
+                  <a:solidFill>
+                    <a:schemeClr val="tx2">
+                      <a:tint val="1000"/>
+                    </a:schemeClr>
+                  </a:solidFill>
+                  <a:prstDash val="solid"/>
+                </a:ln>
+                <a:solidFill>
+                  <a:schemeClr val="accent3"/>
+                </a:solidFill>
+                <a:effectLst>
+                  <a:outerShdw blurRad="50000" dist="50800" dir="7500000" algn="tl">
+                    <a:srgbClr val="000000">
+                      <a:shade val="5000"/>
+                      <a:alpha val="35000"/>
+                    </a:srgbClr>
+                  </a:outerShdw>
+                </a:effectLst>
+                <a:latin typeface="Arial Black" pitchFamily="34" charset="0"/>
+                <a:cs typeface="Aharoni" panose="02010803020104030203" pitchFamily="2" charset="-79"/>
+              </a:rPr>
+              <a:t>spent</a:t>
+            </a:r>
+            <a:endParaRPr lang="en-US" sz="4400" b="1" dirty="0">
+              <a:ln w="19050">
+                <a:solidFill>
+                  <a:schemeClr val="tx2">
+                    <a:tint val="1000"/>
+                  </a:schemeClr>
+                </a:solidFill>
+                <a:prstDash val="solid"/>
+              </a:ln>
+              <a:solidFill>
+                <a:schemeClr val="accent3"/>
+              </a:solidFill>
+              <a:effectLst>
+                <a:outerShdw blurRad="50000" dist="50800" dir="7500000" algn="tl">
+                  <a:srgbClr val="000000">
+                    <a:shade val="5000"/>
+                    <a:alpha val="35000"/>
+                  </a:srgbClr>
+                </a:outerShdw>
+              </a:effectLst>
+              <a:latin typeface="Arial Black" pitchFamily="34" charset="0"/>
+              <a:cs typeface="Aharoni" panose="02010803020104030203" pitchFamily="2" charset="-79"/>
+            </a:endParaRPr>
+          </a:p>
+        </p:txBody>
+      </p:sp>
+      <p:sp>
+        <p:nvSpPr>
+          <p:cNvPr id="6" name="Right Arrow 5"/>
+          <p:cNvSpPr/>
+          <p:nvPr/>
+        </p:nvSpPr>
+        <p:spPr>
+          <a:xfrm>
+            <a:off x="4191000" y="3276600"/>
+            <a:ext cx="990600" cy="457200"/>
+          </a:xfrm>
+          <a:prstGeom prst="rightArrow">
+            <a:avLst/>
+          </a:prstGeom>
+        </p:spPr>
+        <p:style>
+          <a:lnRef idx="1">
+            <a:schemeClr val="accent4"/>
+          </a:lnRef>
+          <a:fillRef idx="2">
+            <a:schemeClr val="accent4"/>
+          </a:fillRef>
+          <a:effectRef idx="1">
+            <a:schemeClr val="accent4"/>
+          </a:effectRef>
+          <a:fontRef idx="minor">
+            <a:schemeClr val="dk1"/>
+          </a:fontRef>
+        </p:style>
+        <p:txBody>
+          <a:bodyPr rtlCol="0" anchor="ctr"/>
+          <a:lstStyle/>
+          <a:p>
+            <a:pPr algn="ctr"/>
+            <a:endParaRPr lang="en-US"/>
           </a:p>
         </p:txBody>
       </p:sp>
     </p:spTree>
     <p:extLst>
       <p:ext uri="{BB962C8B-B14F-4D97-AF65-F5344CB8AC3E}">
-        <p14:creationId xmlns:p14="http://schemas.microsoft.com/office/powerpoint/2010/main" val="240742119"/>
+        <p14:creationId xmlns:p14="http://schemas.microsoft.com/office/powerpoint/2010/main" xmlns="" val="1204520113"/>
       </p:ext>
     </p:extLst>
   </p:cSld>
@@ -4933,412 +5239,6 @@
             <p:ph idx="1"/>
           </p:nvPr>
         </p:nvSpPr>
-        <p:spPr/>
-        <p:txBody>
-          <a:bodyPr/>
-          <a:lstStyle/>
-          <a:p>
-            <a:pPr marL="109728" indent="0">
-              <a:buNone/>
-            </a:pPr>
-            <a:r>
-              <a:rPr lang="en-US" dirty="0" smtClean="0"/>
-              <a:t> </a:t>
-            </a:r>
-            <a:endParaRPr lang="en-US" dirty="0"/>
-          </a:p>
-        </p:txBody>
-      </p:sp>
-      <p:sp>
-        <p:nvSpPr>
-          <p:cNvPr id="4" name="Rounded Rectangle 3"/>
-          <p:cNvSpPr/>
-          <p:nvPr/>
-        </p:nvSpPr>
-        <p:spPr>
-          <a:xfrm>
-            <a:off x="1219200" y="2133600"/>
-            <a:ext cx="2819400" cy="2514600"/>
-          </a:xfrm>
-          <a:prstGeom prst="roundRect">
-            <a:avLst/>
-          </a:prstGeom>
-        </p:spPr>
-        <p:style>
-          <a:lnRef idx="2">
-            <a:schemeClr val="accent1">
-              <a:shade val="50000"/>
-            </a:schemeClr>
-          </a:lnRef>
-          <a:fillRef idx="1">
-            <a:schemeClr val="accent1"/>
-          </a:fillRef>
-          <a:effectRef idx="0">
-            <a:schemeClr val="accent1"/>
-          </a:effectRef>
-          <a:fontRef idx="minor">
-            <a:schemeClr val="lt1"/>
-          </a:fontRef>
-        </p:style>
-        <p:txBody>
-          <a:bodyPr rtlCol="0" anchor="ctr"/>
-          <a:lstStyle/>
-          <a:p>
-            <a:pPr algn="ctr"/>
-            <a:r>
-              <a:rPr lang="en-US" sz="3200" b="1" dirty="0" smtClean="0">
-                <a:ln w="12700">
-                  <a:solidFill>
-                    <a:schemeClr val="tx2">
-                      <a:satMod val="155000"/>
-                    </a:schemeClr>
-                  </a:solidFill>
-                  <a:prstDash val="solid"/>
-                </a:ln>
-                <a:solidFill>
-                  <a:schemeClr val="bg2">
-                    <a:tint val="85000"/>
-                    <a:satMod val="155000"/>
-                  </a:schemeClr>
-                </a:solidFill>
-                <a:effectLst>
-                  <a:outerShdw blurRad="41275" dist="20320" dir="1800000" algn="tl" rotWithShape="0">
-                    <a:srgbClr val="000000">
-                      <a:alpha val="40000"/>
-                    </a:srgbClr>
-                  </a:outerShdw>
-                </a:effectLst>
-                <a:latin typeface="Aharoni" panose="02010803020104030203" pitchFamily="2" charset="-79"/>
-                <a:cs typeface="Aharoni" panose="02010803020104030203" pitchFamily="2" charset="-79"/>
-              </a:rPr>
-              <a:t>Time</a:t>
-            </a:r>
-            <a:r>
-              <a:rPr lang="en-US" sz="3200" b="1" dirty="0" smtClean="0">
-                <a:ln w="12700">
-                  <a:solidFill>
-                    <a:schemeClr val="tx2">
-                      <a:satMod val="155000"/>
-                    </a:schemeClr>
-                  </a:solidFill>
-                  <a:prstDash val="solid"/>
-                </a:ln>
-                <a:solidFill>
-                  <a:schemeClr val="bg2">
-                    <a:tint val="85000"/>
-                    <a:satMod val="155000"/>
-                  </a:schemeClr>
-                </a:solidFill>
-                <a:effectLst>
-                  <a:outerShdw blurRad="41275" dist="20320" dir="1800000" algn="tl" rotWithShape="0">
-                    <a:srgbClr val="000000">
-                      <a:alpha val="40000"/>
-                    </a:srgbClr>
-                  </a:outerShdw>
-                </a:effectLst>
-              </a:rPr>
-              <a:t> </a:t>
-            </a:r>
-          </a:p>
-          <a:p>
-            <a:pPr algn="ctr"/>
-            <a:r>
-              <a:rPr lang="en-US" sz="3200" b="1" dirty="0" smtClean="0">
-                <a:ln w="12700">
-                  <a:solidFill>
-                    <a:schemeClr val="tx2">
-                      <a:satMod val="155000"/>
-                    </a:schemeClr>
-                  </a:solidFill>
-                  <a:prstDash val="solid"/>
-                </a:ln>
-                <a:solidFill>
-                  <a:schemeClr val="bg2">
-                    <a:tint val="85000"/>
-                    <a:satMod val="155000"/>
-                  </a:schemeClr>
-                </a:solidFill>
-                <a:effectLst>
-                  <a:outerShdw blurRad="41275" dist="20320" dir="1800000" algn="tl" rotWithShape="0">
-                    <a:srgbClr val="000000">
-                      <a:alpha val="40000"/>
-                    </a:srgbClr>
-                  </a:outerShdw>
-                </a:effectLst>
-                <a:latin typeface="Aharoni" panose="02010803020104030203" pitchFamily="2" charset="-79"/>
-                <a:cs typeface="Aharoni" panose="02010803020104030203" pitchFamily="2" charset="-79"/>
-              </a:rPr>
-              <a:t>spent</a:t>
-            </a:r>
-            <a:endParaRPr lang="en-US" sz="3200" b="1" dirty="0">
-              <a:ln w="12700">
-                <a:solidFill>
-                  <a:schemeClr val="tx2">
-                    <a:satMod val="155000"/>
-                  </a:schemeClr>
-                </a:solidFill>
-                <a:prstDash val="solid"/>
-              </a:ln>
-              <a:solidFill>
-                <a:schemeClr val="bg2">
-                  <a:tint val="85000"/>
-                  <a:satMod val="155000"/>
-                </a:schemeClr>
-              </a:solidFill>
-              <a:effectLst>
-                <a:outerShdw blurRad="41275" dist="20320" dir="1800000" algn="tl" rotWithShape="0">
-                  <a:srgbClr val="000000">
-                    <a:alpha val="40000"/>
-                  </a:srgbClr>
-                </a:outerShdw>
-              </a:effectLst>
-              <a:latin typeface="Aharoni" panose="02010803020104030203" pitchFamily="2" charset="-79"/>
-              <a:cs typeface="Aharoni" panose="02010803020104030203" pitchFamily="2" charset="-79"/>
-            </a:endParaRPr>
-          </a:p>
-        </p:txBody>
-      </p:sp>
-      <p:sp>
-        <p:nvSpPr>
-          <p:cNvPr id="5" name="Rounded Rectangle 4"/>
-          <p:cNvSpPr/>
-          <p:nvPr/>
-        </p:nvSpPr>
-        <p:spPr>
-          <a:xfrm>
-            <a:off x="5257800" y="2133600"/>
-            <a:ext cx="2895600" cy="2394858"/>
-          </a:xfrm>
-          <a:prstGeom prst="roundRect">
-            <a:avLst/>
-          </a:prstGeom>
-        </p:spPr>
-        <p:style>
-          <a:lnRef idx="2">
-            <a:schemeClr val="accent1">
-              <a:shade val="50000"/>
-            </a:schemeClr>
-          </a:lnRef>
-          <a:fillRef idx="1">
-            <a:schemeClr val="accent1"/>
-          </a:fillRef>
-          <a:effectRef idx="0">
-            <a:schemeClr val="accent1"/>
-          </a:effectRef>
-          <a:fontRef idx="minor">
-            <a:schemeClr val="lt1"/>
-          </a:fontRef>
-        </p:style>
-        <p:txBody>
-          <a:bodyPr rtlCol="0" anchor="ctr"/>
-          <a:lstStyle/>
-          <a:p>
-            <a:pPr algn="ctr"/>
-            <a:r>
-              <a:rPr lang="en-US" sz="3200" b="1" dirty="0" smtClean="0">
-                <a:ln w="12700">
-                  <a:solidFill>
-                    <a:schemeClr val="tx2">
-                      <a:satMod val="155000"/>
-                    </a:schemeClr>
-                  </a:solidFill>
-                  <a:prstDash val="solid"/>
-                </a:ln>
-                <a:solidFill>
-                  <a:schemeClr val="bg2">
-                    <a:tint val="85000"/>
-                    <a:satMod val="155000"/>
-                  </a:schemeClr>
-                </a:solidFill>
-                <a:effectLst>
-                  <a:outerShdw blurRad="41275" dist="20320" dir="1800000" algn="tl" rotWithShape="0">
-                    <a:srgbClr val="000000">
-                      <a:alpha val="40000"/>
-                    </a:srgbClr>
-                  </a:outerShdw>
-                </a:effectLst>
-                <a:latin typeface="Aharoni" panose="02010803020104030203" pitchFamily="2" charset="-79"/>
-                <a:cs typeface="Aharoni" panose="02010803020104030203" pitchFamily="2" charset="-79"/>
-              </a:rPr>
-              <a:t>Time</a:t>
-            </a:r>
-          </a:p>
-          <a:p>
-            <a:pPr algn="ctr"/>
-            <a:r>
-              <a:rPr lang="en-US" sz="3200" b="1" dirty="0" smtClean="0">
-                <a:ln w="12700">
-                  <a:solidFill>
-                    <a:schemeClr val="tx2">
-                      <a:satMod val="155000"/>
-                    </a:schemeClr>
-                  </a:solidFill>
-                  <a:prstDash val="solid"/>
-                </a:ln>
-                <a:solidFill>
-                  <a:schemeClr val="bg2">
-                    <a:tint val="85000"/>
-                    <a:satMod val="155000"/>
-                  </a:schemeClr>
-                </a:solidFill>
-                <a:effectLst>
-                  <a:outerShdw blurRad="41275" dist="20320" dir="1800000" algn="tl" rotWithShape="0">
-                    <a:srgbClr val="000000">
-                      <a:alpha val="40000"/>
-                    </a:srgbClr>
-                  </a:outerShdw>
-                </a:effectLst>
-                <a:latin typeface="Aharoni" panose="02010803020104030203" pitchFamily="2" charset="-79"/>
-                <a:cs typeface="Aharoni" panose="02010803020104030203" pitchFamily="2" charset="-79"/>
-              </a:rPr>
-              <a:t>well </a:t>
-            </a:r>
-          </a:p>
-          <a:p>
-            <a:pPr algn="ctr"/>
-            <a:r>
-              <a:rPr lang="en-US" sz="3200" b="1" dirty="0" smtClean="0">
-                <a:ln w="12700">
-                  <a:solidFill>
-                    <a:schemeClr val="tx2">
-                      <a:satMod val="155000"/>
-                    </a:schemeClr>
-                  </a:solidFill>
-                  <a:prstDash val="solid"/>
-                </a:ln>
-                <a:solidFill>
-                  <a:schemeClr val="bg2">
-                    <a:tint val="85000"/>
-                    <a:satMod val="155000"/>
-                  </a:schemeClr>
-                </a:solidFill>
-                <a:effectLst>
-                  <a:outerShdw blurRad="41275" dist="20320" dir="1800000" algn="tl" rotWithShape="0">
-                    <a:srgbClr val="000000">
-                      <a:alpha val="40000"/>
-                    </a:srgbClr>
-                  </a:outerShdw>
-                </a:effectLst>
-                <a:latin typeface="Aharoni" panose="02010803020104030203" pitchFamily="2" charset="-79"/>
-                <a:cs typeface="Aharoni" panose="02010803020104030203" pitchFamily="2" charset="-79"/>
-              </a:rPr>
-              <a:t>spent</a:t>
-            </a:r>
-            <a:endParaRPr lang="en-US" sz="3200" b="1" dirty="0">
-              <a:ln w="12700">
-                <a:solidFill>
-                  <a:schemeClr val="tx2">
-                    <a:satMod val="155000"/>
-                  </a:schemeClr>
-                </a:solidFill>
-                <a:prstDash val="solid"/>
-              </a:ln>
-              <a:solidFill>
-                <a:schemeClr val="bg2">
-                  <a:tint val="85000"/>
-                  <a:satMod val="155000"/>
-                </a:schemeClr>
-              </a:solidFill>
-              <a:effectLst>
-                <a:outerShdw blurRad="41275" dist="20320" dir="1800000" algn="tl" rotWithShape="0">
-                  <a:srgbClr val="000000">
-                    <a:alpha val="40000"/>
-                  </a:srgbClr>
-                </a:outerShdw>
-              </a:effectLst>
-              <a:latin typeface="Aharoni" panose="02010803020104030203" pitchFamily="2" charset="-79"/>
-              <a:cs typeface="Aharoni" panose="02010803020104030203" pitchFamily="2" charset="-79"/>
-            </a:endParaRPr>
-          </a:p>
-        </p:txBody>
-      </p:sp>
-      <p:sp>
-        <p:nvSpPr>
-          <p:cNvPr id="6" name="Right Arrow 5"/>
-          <p:cNvSpPr/>
-          <p:nvPr/>
-        </p:nvSpPr>
-        <p:spPr>
-          <a:xfrm>
-            <a:off x="4191000" y="3276600"/>
-            <a:ext cx="990600" cy="457200"/>
-          </a:xfrm>
-          <a:prstGeom prst="rightArrow">
-            <a:avLst/>
-          </a:prstGeom>
-        </p:spPr>
-        <p:style>
-          <a:lnRef idx="2">
-            <a:schemeClr val="accent1">
-              <a:shade val="50000"/>
-            </a:schemeClr>
-          </a:lnRef>
-          <a:fillRef idx="1">
-            <a:schemeClr val="accent1"/>
-          </a:fillRef>
-          <a:effectRef idx="0">
-            <a:schemeClr val="accent1"/>
-          </a:effectRef>
-          <a:fontRef idx="minor">
-            <a:schemeClr val="lt1"/>
-          </a:fontRef>
-        </p:style>
-        <p:txBody>
-          <a:bodyPr rtlCol="0" anchor="ctr"/>
-          <a:lstStyle/>
-          <a:p>
-            <a:pPr algn="ctr"/>
-            <a:endParaRPr lang="en-US"/>
-          </a:p>
-        </p:txBody>
-      </p:sp>
-    </p:spTree>
-    <p:extLst>
-      <p:ext uri="{BB962C8B-B14F-4D97-AF65-F5344CB8AC3E}">
-        <p14:creationId xmlns:p14="http://schemas.microsoft.com/office/powerpoint/2010/main" val="1204520113"/>
-      </p:ext>
-    </p:extLst>
-  </p:cSld>
-  <p:clrMapOvr>
-    <a:masterClrMapping/>
-  </p:clrMapOvr>
-  <p:timing>
-    <p:tnLst>
-      <p:par>
-        <p:cTn id="1" dur="indefinite" restart="never" nodeType="tmRoot"/>
-      </p:par>
-    </p:tnLst>
-  </p:timing>
-</p:sld>
-</file>
-
-<file path=ppt/slides/slide13.xml><?xml version="1.0" encoding="utf-8"?>
-<p:sld xmlns:a="http://schemas.openxmlformats.org/drawingml/2006/main" xmlns:r="http://schemas.openxmlformats.org/officeDocument/2006/relationships" xmlns:p="http://schemas.openxmlformats.org/presentationml/2006/main">
-  <p:cSld>
-    <p:spTree>
-      <p:nvGrpSpPr>
-        <p:cNvPr id="1" name=""/>
-        <p:cNvGrpSpPr/>
-        <p:nvPr/>
-      </p:nvGrpSpPr>
-      <p:grpSpPr>
-        <a:xfrm>
-          <a:off x="0" y="0"/>
-          <a:ext cx="0" cy="0"/>
-          <a:chOff x="0" y="0"/>
-          <a:chExt cx="0" cy="0"/>
-        </a:xfrm>
-      </p:grpSpPr>
-      <p:sp>
-        <p:nvSpPr>
-          <p:cNvPr id="2" name="Content Placeholder 1"/>
-          <p:cNvSpPr>
-            <a:spLocks noGrp="1"/>
-          </p:cNvSpPr>
-          <p:nvPr>
-            <p:ph idx="1"/>
-          </p:nvPr>
-        </p:nvSpPr>
         <p:spPr>
           <a:xfrm>
             <a:off x="2590800" y="2133600"/>
@@ -5348,6 +5248,20 @@
         <p:txBody>
           <a:bodyPr>
             <a:noAutofit/>
+            <a:scene3d>
+              <a:camera prst="orthographicFront"/>
+              <a:lightRig rig="soft" dir="tl">
+                <a:rot lat="0" lon="0" rev="0"/>
+              </a:lightRig>
+            </a:scene3d>
+            <a:sp3d contourW="25400" prstMaterial="matte">
+              <a:bevelT w="25400" h="55880" prst="artDeco"/>
+              <a:contourClr>
+                <a:schemeClr val="accent2">
+                  <a:tint val="20000"/>
+                </a:schemeClr>
+              </a:contourClr>
+            </a:sp3d>
           </a:bodyPr>
           <a:lstStyle/>
           <a:p>
@@ -5355,83 +5269,61 @@
               <a:buNone/>
             </a:pPr>
             <a:r>
-              <a:rPr lang="en-US" sz="7200" b="1" spc="300" dirty="0" smtClean="0">
-                <a:ln w="11430" cmpd="sng">
-                  <a:solidFill>
-                    <a:schemeClr val="accent1">
-                      <a:tint val="10000"/>
-                    </a:schemeClr>
-                  </a:solidFill>
-                  <a:prstDash val="solid"/>
-                  <a:miter lim="800000"/>
-                </a:ln>
+              <a:rPr lang="en-US" sz="7200" b="1" spc="50" dirty="0" smtClean="0">
+                <a:ln w="11430"/>
                 <a:gradFill>
                   <a:gsLst>
-                    <a:gs pos="10000">
-                      <a:schemeClr val="accent1">
-                        <a:tint val="83000"/>
-                        <a:shade val="100000"/>
-                        <a:satMod val="200000"/>
+                    <a:gs pos="25000">
+                      <a:schemeClr val="accent2">
+                        <a:satMod val="155000"/>
                       </a:schemeClr>
                     </a:gs>
-                    <a:gs pos="75000">
-                      <a:schemeClr val="accent1">
-                        <a:tint val="100000"/>
-                        <a:shade val="50000"/>
-                        <a:satMod val="150000"/>
+                    <a:gs pos="100000">
+                      <a:schemeClr val="accent2">
+                        <a:shade val="45000"/>
+                        <a:satMod val="165000"/>
                       </a:schemeClr>
                     </a:gs>
                   </a:gsLst>
                   <a:lin ang="5400000"/>
                 </a:gradFill>
                 <a:effectLst>
-                  <a:glow rad="45500">
-                    <a:schemeClr val="accent1">
-                      <a:satMod val="220000"/>
-                      <a:alpha val="35000"/>
-                    </a:schemeClr>
-                  </a:glow>
+                  <a:outerShdw blurRad="76200" dist="50800" dir="5400000" algn="tl" rotWithShape="0">
+                    <a:srgbClr val="000000">
+                      <a:alpha val="65000"/>
+                    </a:srgbClr>
+                  </a:outerShdw>
                 </a:effectLst>
+                <a:latin typeface="Algerian" pitchFamily="82" charset="0"/>
               </a:rPr>
               <a:t>THANK YOU!!</a:t>
             </a:r>
-            <a:endParaRPr lang="en-US" sz="7200" b="1" spc="300" dirty="0">
-              <a:ln w="11430" cmpd="sng">
-                <a:solidFill>
-                  <a:schemeClr val="accent1">
-                    <a:tint val="10000"/>
-                  </a:schemeClr>
-                </a:solidFill>
-                <a:prstDash val="solid"/>
-                <a:miter lim="800000"/>
-              </a:ln>
+            <a:endParaRPr lang="en-US" sz="7200" b="1" spc="50" dirty="0">
+              <a:ln w="11430"/>
               <a:gradFill>
                 <a:gsLst>
-                  <a:gs pos="10000">
-                    <a:schemeClr val="accent1">
-                      <a:tint val="83000"/>
-                      <a:shade val="100000"/>
-                      <a:satMod val="200000"/>
+                  <a:gs pos="25000">
+                    <a:schemeClr val="accent2">
+                      <a:satMod val="155000"/>
                     </a:schemeClr>
                   </a:gs>
-                  <a:gs pos="75000">
-                    <a:schemeClr val="accent1">
-                      <a:tint val="100000"/>
-                      <a:shade val="50000"/>
-                      <a:satMod val="150000"/>
+                  <a:gs pos="100000">
+                    <a:schemeClr val="accent2">
+                      <a:shade val="45000"/>
+                      <a:satMod val="165000"/>
                     </a:schemeClr>
                   </a:gs>
                 </a:gsLst>
                 <a:lin ang="5400000"/>
               </a:gradFill>
               <a:effectLst>
-                <a:glow rad="45500">
-                  <a:schemeClr val="accent1">
-                    <a:satMod val="220000"/>
-                    <a:alpha val="35000"/>
-                  </a:schemeClr>
-                </a:glow>
+                <a:outerShdw blurRad="76200" dist="50800" dir="5400000" algn="tl" rotWithShape="0">
+                  <a:srgbClr val="000000">
+                    <a:alpha val="65000"/>
+                  </a:srgbClr>
+                </a:outerShdw>
               </a:effectLst>
+              <a:latin typeface="Algerian" pitchFamily="82" charset="0"/>
             </a:endParaRPr>
           </a:p>
         </p:txBody>
@@ -5439,7 +5331,7 @@
     </p:spTree>
     <p:extLst>
       <p:ext uri="{BB962C8B-B14F-4D97-AF65-F5344CB8AC3E}">
-        <p14:creationId xmlns:p14="http://schemas.microsoft.com/office/powerpoint/2010/main" val="2298467854"/>
+        <p14:creationId xmlns:p14="http://schemas.microsoft.com/office/powerpoint/2010/main" xmlns="" val="2298467854"/>
       </p:ext>
     </p:extLst>
   </p:cSld>
@@ -5473,9 +5365,65 @@
           <a:chExt cx="0" cy="0"/>
         </a:xfrm>
       </p:grpSpPr>
-      <p:sp>
-        <p:nvSpPr>
-          <p:cNvPr id="2" name="Title 1"/>
+      <p:pic>
+        <p:nvPicPr>
+          <p:cNvPr id="2051" name="Picture 3"/>
+          <p:cNvPicPr>
+            <a:picLocks noGrp="1" noChangeAspect="1" noChangeArrowheads="1"/>
+          </p:cNvPicPr>
+          <p:nvPr>
+            <p:ph idx="1"/>
+          </p:nvPr>
+        </p:nvPicPr>
+        <p:blipFill>
+          <a:blip r:embed="rId2">
+            <a:extLst>
+              <a:ext uri="{28A0092B-C50C-407E-A947-70E740481C1C}">
+                <a14:useLocalDpi xmlns:a14="http://schemas.microsoft.com/office/drawing/2010/main" xmlns="" val="0"/>
+              </a:ext>
+            </a:extLst>
+          </a:blip>
+          <a:srcRect/>
+          <a:stretch>
+            <a:fillRect/>
+          </a:stretch>
+        </p:blipFill>
+        <p:spPr bwMode="auto">
+          <a:xfrm>
+            <a:off x="457200" y="2133600"/>
+            <a:ext cx="8229600" cy="3319441"/>
+          </a:xfrm>
+          <a:prstGeom prst="rect">
+            <a:avLst/>
+          </a:prstGeom>
+          <a:noFill/>
+          <a:ln>
+            <a:noFill/>
+          </a:ln>
+          <a:extLst>
+            <a:ext uri="{909E8E84-426E-40DD-AFC4-6F175D3DCCD1}">
+              <a14:hiddenFill xmlns:a14="http://schemas.microsoft.com/office/drawing/2010/main" xmlns="">
+                <a:solidFill>
+                  <a:schemeClr val="accent1"/>
+                </a:solidFill>
+              </a14:hiddenFill>
+            </a:ext>
+            <a:ext uri="{91240B29-F687-4F45-9708-019B960494DF}">
+              <a14:hiddenLine xmlns:a14="http://schemas.microsoft.com/office/drawing/2010/main" xmlns="" w="9525">
+                <a:solidFill>
+                  <a:schemeClr val="tx1"/>
+                </a:solidFill>
+                <a:miter lim="800000"/>
+                <a:headEnd/>
+                <a:tailEnd/>
+              </a14:hiddenLine>
+            </a:ext>
+          </a:extLst>
+        </p:spPr>
+      </p:pic>
+      <p:sp>
+        <p:nvSpPr>
+          <p:cNvPr id="3" name="Title 1"/>
           <p:cNvSpPr>
             <a:spLocks noGrp="1"/>
           </p:cNvSpPr>
@@ -5485,20 +5433,20 @@
         </p:nvSpPr>
         <p:spPr>
           <a:xfrm>
-            <a:off x="838200" y="2438400"/>
+            <a:off x="685800" y="457200"/>
             <a:ext cx="7848600" cy="1143000"/>
           </a:xfrm>
         </p:spPr>
         <p:txBody>
           <a:bodyPr>
-            <a:normAutofit fontScale="90000"/>
+            <a:normAutofit/>
           </a:bodyPr>
           <a:lstStyle/>
           <a:p>
             <a:pPr algn="ctr"/>
             <a:r>
               <a:rPr lang="en-US" dirty="0" smtClean="0"/>
-              <a:t>What does it mean to spend our time well?</a:t>
+              <a:t>How do we spend our time?</a:t>
             </a:r>
             <a:endParaRPr lang="en-US" dirty="0"/>
           </a:p>
@@ -5507,7 +5455,7 @@
     </p:spTree>
     <p:extLst>
       <p:ext uri="{BB962C8B-B14F-4D97-AF65-F5344CB8AC3E}">
-        <p14:creationId xmlns:p14="http://schemas.microsoft.com/office/powerpoint/2010/main" val="3869689862"/>
+        <p14:creationId xmlns:p14="http://schemas.microsoft.com/office/powerpoint/2010/main" xmlns="" val="858073939"/>
       </p:ext>
     </p:extLst>
   </p:cSld>
@@ -5543,7 +5491,7 @@
       </p:grpSpPr>
       <p:pic>
         <p:nvPicPr>
-          <p:cNvPr id="2051" name="Picture 3"/>
+          <p:cNvPr id="1026" name="Picture 2"/>
           <p:cNvPicPr>
             <a:picLocks noGrp="1" noChangeAspect="1" noChangeArrowheads="1"/>
           </p:cNvPicPr>
@@ -5555,7 +5503,7 @@
           <a:blip r:embed="rId2">
             <a:extLst>
               <a:ext uri="{28A0092B-C50C-407E-A947-70E740481C1C}">
-                <a14:useLocalDpi xmlns:a14="http://schemas.microsoft.com/office/drawing/2010/main" val="0"/>
+                <a14:useLocalDpi xmlns:a14="http://schemas.microsoft.com/office/drawing/2010/main" xmlns="" val="0"/>
               </a:ext>
             </a:extLst>
           </a:blip>
@@ -5566,8 +5514,8 @@
         </p:blipFill>
         <p:spPr bwMode="auto">
           <a:xfrm>
-            <a:off x="457200" y="1828800"/>
-            <a:ext cx="8229600" cy="3319441"/>
+            <a:off x="457200" y="762000"/>
+            <a:ext cx="8229600" cy="2774658"/>
           </a:xfrm>
           <a:prstGeom prst="rect">
             <a:avLst/>
@@ -5578,14 +5526,14 @@
           </a:ln>
           <a:extLst>
             <a:ext uri="{909E8E84-426E-40DD-AFC4-6F175D3DCCD1}">
-              <a14:hiddenFill xmlns:a14="http://schemas.microsoft.com/office/drawing/2010/main">
+              <a14:hiddenFill xmlns:a14="http://schemas.microsoft.com/office/drawing/2010/main" xmlns="">
                 <a:solidFill>
                   <a:schemeClr val="accent1"/>
                 </a:solidFill>
               </a14:hiddenFill>
             </a:ext>
             <a:ext uri="{91240B29-F687-4F45-9708-019B960494DF}">
-              <a14:hiddenLine xmlns:a14="http://schemas.microsoft.com/office/drawing/2010/main" w="9525">
+              <a14:hiddenLine xmlns:a14="http://schemas.microsoft.com/office/drawing/2010/main" xmlns="" w="9525">
                 <a:solidFill>
                   <a:schemeClr val="tx1"/>
                 </a:solidFill>
@@ -5597,10 +5545,94 @@
           </a:extLst>
         </p:spPr>
       </p:pic>
+      <p:pic>
+        <p:nvPicPr>
+          <p:cNvPr id="5" name="Picture 3"/>
+          <p:cNvPicPr>
+            <a:picLocks noChangeAspect="1" noChangeArrowheads="1"/>
+          </p:cNvPicPr>
+          <p:nvPr/>
+        </p:nvPicPr>
+        <p:blipFill>
+          <a:blip r:embed="rId3">
+            <a:extLst>
+              <a:ext uri="{28A0092B-C50C-407E-A947-70E740481C1C}">
+                <a14:useLocalDpi xmlns:a14="http://schemas.microsoft.com/office/drawing/2010/main" xmlns="" val="0"/>
+              </a:ext>
+            </a:extLst>
+          </a:blip>
+          <a:srcRect/>
+          <a:stretch>
+            <a:fillRect/>
+          </a:stretch>
+        </p:blipFill>
+        <p:spPr bwMode="auto">
+          <a:xfrm>
+            <a:off x="457200" y="3733800"/>
+            <a:ext cx="8229600" cy="2782055"/>
+          </a:xfrm>
+          <a:prstGeom prst="rect">
+            <a:avLst/>
+          </a:prstGeom>
+          <a:noFill/>
+          <a:ln>
+            <a:noFill/>
+          </a:ln>
+          <a:extLst>
+            <a:ext uri="{909E8E84-426E-40DD-AFC4-6F175D3DCCD1}">
+              <a14:hiddenFill xmlns:a14="http://schemas.microsoft.com/office/drawing/2010/main" xmlns="">
+                <a:solidFill>
+                  <a:schemeClr val="accent1"/>
+                </a:solidFill>
+              </a14:hiddenFill>
+            </a:ext>
+            <a:ext uri="{91240B29-F687-4F45-9708-019B960494DF}">
+              <a14:hiddenLine xmlns:a14="http://schemas.microsoft.com/office/drawing/2010/main" xmlns="" w="9525">
+                <a:solidFill>
+                  <a:schemeClr val="tx1"/>
+                </a:solidFill>
+                <a:miter lim="800000"/>
+                <a:headEnd/>
+                <a:tailEnd/>
+              </a14:hiddenLine>
+            </a:ext>
+          </a:extLst>
+        </p:spPr>
+      </p:pic>
+      <p:sp>
+        <p:nvSpPr>
+          <p:cNvPr id="4" name="TextBox 3"/>
+          <p:cNvSpPr txBox="1"/>
+          <p:nvPr/>
+        </p:nvSpPr>
+        <p:spPr>
+          <a:xfrm>
+            <a:off x="609600" y="228600"/>
+            <a:ext cx="4038600" cy="646331"/>
+          </a:xfrm>
+          <a:prstGeom prst="rect">
+            <a:avLst/>
+          </a:prstGeom>
+          <a:noFill/>
+        </p:spPr>
+        <p:txBody>
+          <a:bodyPr wrap="square" rtlCol="0">
+            <a:spAutoFit/>
+          </a:bodyPr>
+          <a:lstStyle/>
+          <a:p>
+            <a:r>
+              <a:rPr lang="en-US" sz="3600" dirty="0" smtClean="0"/>
+              <a:t>Example 1:</a:t>
+            </a:r>
+            <a:endParaRPr lang="en-US" sz="3600" dirty="0"/>
+          </a:p>
+        </p:txBody>
+      </p:sp>
     </p:spTree>
     <p:extLst>
       <p:ext uri="{BB962C8B-B14F-4D97-AF65-F5344CB8AC3E}">
-        <p14:creationId xmlns:p14="http://schemas.microsoft.com/office/powerpoint/2010/main" val="858073939"/>
+        <p14:creationId xmlns:p14="http://schemas.microsoft.com/office/powerpoint/2010/main" xmlns="" val="3734056358"/>
       </p:ext>
     </p:extLst>
   </p:cSld>
@@ -5636,7 +5668,7 @@
       </p:grpSpPr>
       <p:pic>
         <p:nvPicPr>
-          <p:cNvPr id="1026" name="Picture 2"/>
+          <p:cNvPr id="4098" name="Picture 2" descr="C:\Users\XBBNLJ0\Desktop\ppt\fb1.png"/>
           <p:cNvPicPr>
             <a:picLocks noGrp="1" noChangeAspect="1" noChangeArrowheads="1"/>
           </p:cNvPicPr>
@@ -5648,7 +5680,7 @@
           <a:blip r:embed="rId2">
             <a:extLst>
               <a:ext uri="{28A0092B-C50C-407E-A947-70E740481C1C}">
-                <a14:useLocalDpi xmlns:a14="http://schemas.microsoft.com/office/drawing/2010/main" val="0"/>
+                <a14:useLocalDpi xmlns:a14="http://schemas.microsoft.com/office/drawing/2010/main" xmlns="" val="0"/>
               </a:ext>
             </a:extLst>
           </a:blip>
@@ -5659,8 +5691,49 @@
         </p:blipFill>
         <p:spPr bwMode="auto">
           <a:xfrm>
-            <a:off x="457200" y="762000"/>
-            <a:ext cx="8229600" cy="2774658"/>
+            <a:off x="381000" y="2300617"/>
+            <a:ext cx="4038600" cy="3033383"/>
+          </a:xfrm>
+          <a:prstGeom prst="rect">
+            <a:avLst/>
+          </a:prstGeom>
+          <a:noFill/>
+          <a:extLst>
+            <a:ext uri="{909E8E84-426E-40DD-AFC4-6F175D3DCCD1}">
+              <a14:hiddenFill xmlns:a14="http://schemas.microsoft.com/office/drawing/2010/main" xmlns="">
+                <a:solidFill>
+                  <a:srgbClr val="FFFFFF"/>
+                </a:solidFill>
+              </a14:hiddenFill>
+            </a:ext>
+          </a:extLst>
+        </p:spPr>
+      </p:pic>
+      <p:pic>
+        <p:nvPicPr>
+          <p:cNvPr id="4100" name="Picture 4"/>
+          <p:cNvPicPr>
+            <a:picLocks noChangeAspect="1" noChangeArrowheads="1"/>
+          </p:cNvPicPr>
+          <p:nvPr/>
+        </p:nvPicPr>
+        <p:blipFill>
+          <a:blip r:embed="rId3">
+            <a:extLst>
+              <a:ext uri="{28A0092B-C50C-407E-A947-70E740481C1C}">
+                <a14:useLocalDpi xmlns:a14="http://schemas.microsoft.com/office/drawing/2010/main" xmlns="" val="0"/>
+              </a:ext>
+            </a:extLst>
+          </a:blip>
+          <a:srcRect/>
+          <a:stretch>
+            <a:fillRect/>
+          </a:stretch>
+        </p:blipFill>
+        <p:spPr bwMode="auto">
+          <a:xfrm>
+            <a:off x="4648200" y="2286000"/>
+            <a:ext cx="4343400" cy="2895600"/>
           </a:xfrm>
           <a:prstGeom prst="rect">
             <a:avLst/>
@@ -5671,14 +5744,14 @@
           </a:ln>
           <a:extLst>
             <a:ext uri="{909E8E84-426E-40DD-AFC4-6F175D3DCCD1}">
-              <a14:hiddenFill xmlns:a14="http://schemas.microsoft.com/office/drawing/2010/main">
+              <a14:hiddenFill xmlns:a14="http://schemas.microsoft.com/office/drawing/2010/main" xmlns="">
                 <a:solidFill>
                   <a:schemeClr val="accent1"/>
                 </a:solidFill>
               </a14:hiddenFill>
             </a:ext>
             <a:ext uri="{91240B29-F687-4F45-9708-019B960494DF}">
-              <a14:hiddenLine xmlns:a14="http://schemas.microsoft.com/office/drawing/2010/main" w="9525">
+              <a14:hiddenLine xmlns:a14="http://schemas.microsoft.com/office/drawing/2010/main" xmlns="" w="9525">
                 <a:solidFill>
                   <a:schemeClr val="tx1"/>
                 </a:solidFill>
@@ -5690,64 +5763,40 @@
           </a:extLst>
         </p:spPr>
       </p:pic>
-      <p:pic>
-        <p:nvPicPr>
-          <p:cNvPr id="5" name="Picture 3"/>
-          <p:cNvPicPr>
-            <a:picLocks noChangeAspect="1" noChangeArrowheads="1"/>
-          </p:cNvPicPr>
+      <p:sp>
+        <p:nvSpPr>
+          <p:cNvPr id="4" name="TextBox 3"/>
+          <p:cNvSpPr txBox="1"/>
           <p:nvPr/>
-        </p:nvPicPr>
-        <p:blipFill>
-          <a:blip r:embed="rId3">
-            <a:extLst>
-              <a:ext uri="{28A0092B-C50C-407E-A947-70E740481C1C}">
-                <a14:useLocalDpi xmlns:a14="http://schemas.microsoft.com/office/drawing/2010/main" val="0"/>
-              </a:ext>
-            </a:extLst>
-          </a:blip>
-          <a:srcRect/>
-          <a:stretch>
-            <a:fillRect/>
-          </a:stretch>
-        </p:blipFill>
-        <p:spPr bwMode="auto">
+        </p:nvSpPr>
+        <p:spPr>
           <a:xfrm>
-            <a:off x="457200" y="3733800"/>
-            <a:ext cx="8229600" cy="2782055"/>
+            <a:off x="609600" y="990600"/>
+            <a:ext cx="4038600" cy="646331"/>
           </a:xfrm>
           <a:prstGeom prst="rect">
             <a:avLst/>
           </a:prstGeom>
           <a:noFill/>
-          <a:ln>
-            <a:noFill/>
-          </a:ln>
-          <a:extLst>
-            <a:ext uri="{909E8E84-426E-40DD-AFC4-6F175D3DCCD1}">
-              <a14:hiddenFill xmlns:a14="http://schemas.microsoft.com/office/drawing/2010/main">
-                <a:solidFill>
-                  <a:schemeClr val="accent1"/>
-                </a:solidFill>
-              </a14:hiddenFill>
-            </a:ext>
-            <a:ext uri="{91240B29-F687-4F45-9708-019B960494DF}">
-              <a14:hiddenLine xmlns:a14="http://schemas.microsoft.com/office/drawing/2010/main" w="9525">
-                <a:solidFill>
-                  <a:schemeClr val="tx1"/>
-                </a:solidFill>
-                <a:miter lim="800000"/>
-                <a:headEnd/>
-                <a:tailEnd/>
-              </a14:hiddenLine>
-            </a:ext>
-          </a:extLst>
         </p:spPr>
-      </p:pic>
+        <p:txBody>
+          <a:bodyPr wrap="square" rtlCol="0">
+            <a:spAutoFit/>
+          </a:bodyPr>
+          <a:lstStyle/>
+          <a:p>
+            <a:r>
+              <a:rPr lang="en-US" sz="3600" dirty="0" smtClean="0"/>
+              <a:t>Example 2:</a:t>
+            </a:r>
+            <a:endParaRPr lang="en-US" sz="3600" dirty="0"/>
+          </a:p>
+        </p:txBody>
+      </p:sp>
     </p:spTree>
     <p:extLst>
       <p:ext uri="{BB962C8B-B14F-4D97-AF65-F5344CB8AC3E}">
-        <p14:creationId xmlns:p14="http://schemas.microsoft.com/office/powerpoint/2010/main" val="3734056358"/>
+        <p14:creationId xmlns:p14="http://schemas.microsoft.com/office/powerpoint/2010/main" xmlns="" val="2498430940"/>
       </p:ext>
     </p:extLst>
   </p:cSld>
@@ -5783,19 +5832,17 @@
       </p:grpSpPr>
       <p:pic>
         <p:nvPicPr>
-          <p:cNvPr id="4098" name="Picture 2" descr="C:\Users\XBBNLJ0\Desktop\ppt\fb1.png"/>
+          <p:cNvPr id="5122" name="Picture 2" descr="C:\Users\XBBNLJ0\Desktop\ppt\off1.jpg"/>
           <p:cNvPicPr>
-            <a:picLocks noGrp="1" noChangeAspect="1" noChangeArrowheads="1"/>
+            <a:picLocks noChangeAspect="1" noChangeArrowheads="1"/>
           </p:cNvPicPr>
-          <p:nvPr>
-            <p:ph idx="1"/>
-          </p:nvPr>
+          <p:nvPr/>
         </p:nvPicPr>
         <p:blipFill>
           <a:blip r:embed="rId2">
             <a:extLst>
               <a:ext uri="{28A0092B-C50C-407E-A947-70E740481C1C}">
-                <a14:useLocalDpi xmlns:a14="http://schemas.microsoft.com/office/drawing/2010/main" val="0"/>
+                <a14:useLocalDpi xmlns:a14="http://schemas.microsoft.com/office/drawing/2010/main" xmlns="" val="0"/>
               </a:ext>
             </a:extLst>
           </a:blip>
@@ -5806,8 +5853,8 @@
         </p:blipFill>
         <p:spPr bwMode="auto">
           <a:xfrm>
-            <a:off x="381000" y="2300617"/>
-            <a:ext cx="4038600" cy="3033383"/>
+            <a:off x="609600" y="1905000"/>
+            <a:ext cx="7924800" cy="1905000"/>
           </a:xfrm>
           <a:prstGeom prst="rect">
             <a:avLst/>
@@ -5815,7 +5862,7 @@
           <a:noFill/>
           <a:extLst>
             <a:ext uri="{909E8E84-426E-40DD-AFC4-6F175D3DCCD1}">
-              <a14:hiddenFill xmlns:a14="http://schemas.microsoft.com/office/drawing/2010/main">
+              <a14:hiddenFill xmlns:a14="http://schemas.microsoft.com/office/drawing/2010/main" xmlns="">
                 <a:solidFill>
                   <a:srgbClr val="FFFFFF"/>
                 </a:solidFill>
@@ -5826,7 +5873,7 @@
       </p:pic>
       <p:pic>
         <p:nvPicPr>
-          <p:cNvPr id="4100" name="Picture 4"/>
+          <p:cNvPr id="5123" name="Picture 3" descr="C:\Users\XBBNLJ0\Desktop\ppt\off2.png"/>
           <p:cNvPicPr>
             <a:picLocks noChangeAspect="1" noChangeArrowheads="1"/>
           </p:cNvPicPr>
@@ -5836,7 +5883,7 @@
           <a:blip r:embed="rId3">
             <a:extLst>
               <a:ext uri="{28A0092B-C50C-407E-A947-70E740481C1C}">
-                <a14:useLocalDpi xmlns:a14="http://schemas.microsoft.com/office/drawing/2010/main" val="0"/>
+                <a14:useLocalDpi xmlns:a14="http://schemas.microsoft.com/office/drawing/2010/main" xmlns="" val="0"/>
               </a:ext>
             </a:extLst>
           </a:blip>
@@ -5847,41 +5894,59 @@
         </p:blipFill>
         <p:spPr bwMode="auto">
           <a:xfrm>
-            <a:off x="4648200" y="2286000"/>
-            <a:ext cx="4343400" cy="2895600"/>
+            <a:off x="2133600" y="3962400"/>
+            <a:ext cx="5257800" cy="2057400"/>
           </a:xfrm>
           <a:prstGeom prst="rect">
             <a:avLst/>
           </a:prstGeom>
           <a:noFill/>
-          <a:ln>
-            <a:noFill/>
-          </a:ln>
           <a:extLst>
             <a:ext uri="{909E8E84-426E-40DD-AFC4-6F175D3DCCD1}">
-              <a14:hiddenFill xmlns:a14="http://schemas.microsoft.com/office/drawing/2010/main">
+              <a14:hiddenFill xmlns:a14="http://schemas.microsoft.com/office/drawing/2010/main" xmlns="">
                 <a:solidFill>
-                  <a:schemeClr val="accent1"/>
+                  <a:srgbClr val="FFFFFF"/>
                 </a:solidFill>
               </a14:hiddenFill>
-            </a:ext>
-            <a:ext uri="{91240B29-F687-4F45-9708-019B960494DF}">
-              <a14:hiddenLine xmlns:a14="http://schemas.microsoft.com/office/drawing/2010/main" w="9525">
-                <a:solidFill>
-                  <a:schemeClr val="tx1"/>
-                </a:solidFill>
-                <a:miter lim="800000"/>
-                <a:headEnd/>
-                <a:tailEnd/>
-              </a14:hiddenLine>
             </a:ext>
           </a:extLst>
         </p:spPr>
       </p:pic>
+      <p:sp>
+        <p:nvSpPr>
+          <p:cNvPr id="5" name="Title 2"/>
+          <p:cNvSpPr>
+            <a:spLocks noGrp="1"/>
+          </p:cNvSpPr>
+          <p:nvPr>
+            <p:ph type="title"/>
+          </p:nvPr>
+        </p:nvSpPr>
+        <p:spPr>
+          <a:xfrm>
+            <a:off x="533400" y="685800"/>
+            <a:ext cx="8229600" cy="1143000"/>
+          </a:xfrm>
+        </p:spPr>
+        <p:txBody>
+          <a:bodyPr>
+            <a:normAutofit fontScale="90000"/>
+          </a:bodyPr>
+          <a:lstStyle/>
+          <a:p>
+            <a:pPr algn="ctr"/>
+            <a:r>
+              <a:rPr lang="en-US" sz="4400" dirty="0" smtClean="0"/>
+              <a:t>All or nothing relationship with Technology</a:t>
+            </a:r>
+            <a:endParaRPr lang="en-US" sz="4400" dirty="0"/>
+          </a:p>
+        </p:txBody>
+      </p:sp>
     </p:spTree>
     <p:extLst>
       <p:ext uri="{BB962C8B-B14F-4D97-AF65-F5344CB8AC3E}">
-        <p14:creationId xmlns:p14="http://schemas.microsoft.com/office/powerpoint/2010/main" val="2498430940"/>
+        <p14:creationId xmlns:p14="http://schemas.microsoft.com/office/powerpoint/2010/main" xmlns="" val="2583342345"/>
       </p:ext>
     </p:extLst>
   </p:cSld>
@@ -5917,90 +5982,97 @@
       </p:grpSpPr>
       <p:pic>
         <p:nvPicPr>
-          <p:cNvPr id="5122" name="Picture 2" descr="C:\Users\XBBNLJ0\Desktop\ppt\off1.jpg"/>
+          <p:cNvPr id="6146" name="Picture 2"/>
           <p:cNvPicPr>
-            <a:picLocks noChangeAspect="1" noChangeArrowheads="1"/>
+            <a:picLocks noGrp="1" noChangeAspect="1" noChangeArrowheads="1"/>
           </p:cNvPicPr>
-          <p:nvPr/>
+          <p:nvPr>
+            <p:ph idx="1"/>
+          </p:nvPr>
         </p:nvPicPr>
         <p:blipFill>
           <a:blip r:embed="rId2">
             <a:extLst>
               <a:ext uri="{28A0092B-C50C-407E-A947-70E740481C1C}">
-                <a14:useLocalDpi xmlns:a14="http://schemas.microsoft.com/office/drawing/2010/main" val="0"/>
+                <a14:useLocalDpi xmlns:a14="http://schemas.microsoft.com/office/drawing/2010/main" xmlns="" val="0"/>
               </a:ext>
             </a:extLst>
           </a:blip>
-          <a:srcRect/>
           <a:stretch>
             <a:fillRect/>
           </a:stretch>
         </p:blipFill>
         <p:spPr bwMode="auto">
           <a:xfrm>
-            <a:off x="609601" y="1371600"/>
-            <a:ext cx="7924800" cy="1905000"/>
+            <a:off x="980644" y="1481138"/>
+            <a:ext cx="7182711" cy="4525962"/>
           </a:xfrm>
           <a:prstGeom prst="rect">
             <a:avLst/>
           </a:prstGeom>
           <a:noFill/>
+          <a:ln>
+            <a:noFill/>
+          </a:ln>
           <a:extLst>
             <a:ext uri="{909E8E84-426E-40DD-AFC4-6F175D3DCCD1}">
-              <a14:hiddenFill xmlns:a14="http://schemas.microsoft.com/office/drawing/2010/main">
+              <a14:hiddenFill xmlns:a14="http://schemas.microsoft.com/office/drawing/2010/main" xmlns="">
                 <a:solidFill>
-                  <a:srgbClr val="FFFFFF"/>
+                  <a:schemeClr val="accent1"/>
                 </a:solidFill>
               </a14:hiddenFill>
+            </a:ext>
+            <a:ext uri="{91240B29-F687-4F45-9708-019B960494DF}">
+              <a14:hiddenLine xmlns:a14="http://schemas.microsoft.com/office/drawing/2010/main" xmlns="" w="9525">
+                <a:solidFill>
+                  <a:schemeClr val="tx1"/>
+                </a:solidFill>
+                <a:miter lim="800000"/>
+                <a:headEnd/>
+                <a:tailEnd/>
+              </a14:hiddenLine>
             </a:ext>
           </a:extLst>
         </p:spPr>
       </p:pic>
-      <p:pic>
-        <p:nvPicPr>
-          <p:cNvPr id="5123" name="Picture 3" descr="C:\Users\XBBNLJ0\Desktop\ppt\off2.png"/>
-          <p:cNvPicPr>
-            <a:picLocks noChangeAspect="1" noChangeArrowheads="1"/>
-          </p:cNvPicPr>
-          <p:nvPr/>
-        </p:nvPicPr>
-        <p:blipFill>
-          <a:blip r:embed="rId3">
-            <a:extLst>
-              <a:ext uri="{28A0092B-C50C-407E-A947-70E740481C1C}">
-                <a14:useLocalDpi xmlns:a14="http://schemas.microsoft.com/office/drawing/2010/main" val="0"/>
-              </a:ext>
-            </a:extLst>
-          </a:blip>
-          <a:srcRect/>
-          <a:stretch>
-            <a:fillRect/>
-          </a:stretch>
-        </p:blipFill>
-        <p:spPr bwMode="auto">
+      <p:sp>
+        <p:nvSpPr>
+          <p:cNvPr id="4" name="Title 2"/>
+          <p:cNvSpPr>
+            <a:spLocks noGrp="1"/>
+          </p:cNvSpPr>
+          <p:nvPr>
+            <p:ph type="title"/>
+          </p:nvPr>
+        </p:nvSpPr>
+        <p:spPr>
           <a:xfrm>
-            <a:off x="2133600" y="3733800"/>
-            <a:ext cx="5257800" cy="2057400"/>
+            <a:off x="533400" y="990600"/>
+            <a:ext cx="8229600" cy="838200"/>
           </a:xfrm>
-          <a:prstGeom prst="rect">
-            <a:avLst/>
-          </a:prstGeom>
-          <a:noFill/>
-          <a:extLst>
-            <a:ext uri="{909E8E84-426E-40DD-AFC4-6F175D3DCCD1}">
-              <a14:hiddenFill xmlns:a14="http://schemas.microsoft.com/office/drawing/2010/main">
-                <a:solidFill>
-                  <a:srgbClr val="FFFFFF"/>
-                </a:solidFill>
-              </a14:hiddenFill>
-            </a:ext>
-          </a:extLst>
         </p:spPr>
-      </p:pic>
+        <p:txBody>
+          <a:bodyPr>
+            <a:normAutofit fontScale="90000"/>
+          </a:bodyPr>
+          <a:lstStyle/>
+          <a:p>
+            <a:pPr algn="ctr"/>
+            <a:r>
+              <a:rPr lang="en-US" sz="4400" dirty="0" smtClean="0"/>
+              <a:t>Chat Application</a:t>
+            </a:r>
+            <a:br>
+              <a:rPr lang="en-US" sz="4400" dirty="0" smtClean="0"/>
+            </a:br>
+            <a:endParaRPr lang="en-US" sz="4400" dirty="0"/>
+          </a:p>
+        </p:txBody>
+      </p:sp>
     </p:spTree>
     <p:extLst>
       <p:ext uri="{BB962C8B-B14F-4D97-AF65-F5344CB8AC3E}">
-        <p14:creationId xmlns:p14="http://schemas.microsoft.com/office/powerpoint/2010/main" val="2583342345"/>
+        <p14:creationId xmlns:p14="http://schemas.microsoft.com/office/powerpoint/2010/main" xmlns="" val="79308276"/>
       </p:ext>
     </p:extLst>
   </p:cSld>
@@ -6036,30 +6108,29 @@
       </p:grpSpPr>
       <p:pic>
         <p:nvPicPr>
-          <p:cNvPr id="6146" name="Picture 2"/>
+          <p:cNvPr id="7170" name="Picture 2"/>
           <p:cNvPicPr>
-            <a:picLocks noGrp="1" noChangeAspect="1" noChangeArrowheads="1"/>
+            <a:picLocks noChangeAspect="1" noChangeArrowheads="1"/>
           </p:cNvPicPr>
-          <p:nvPr>
-            <p:ph idx="1"/>
-          </p:nvPr>
+          <p:nvPr/>
         </p:nvPicPr>
         <p:blipFill>
           <a:blip r:embed="rId2">
             <a:extLst>
               <a:ext uri="{28A0092B-C50C-407E-A947-70E740481C1C}">
-                <a14:useLocalDpi xmlns:a14="http://schemas.microsoft.com/office/drawing/2010/main" val="0"/>
+                <a14:useLocalDpi xmlns:a14="http://schemas.microsoft.com/office/drawing/2010/main" xmlns="" val="0"/>
               </a:ext>
             </a:extLst>
           </a:blip>
+          <a:srcRect/>
           <a:stretch>
             <a:fillRect/>
           </a:stretch>
         </p:blipFill>
         <p:spPr bwMode="auto">
           <a:xfrm>
-            <a:off x="980644" y="1481138"/>
-            <a:ext cx="7182711" cy="4525962"/>
+            <a:off x="976313" y="1524000"/>
+            <a:ext cx="7191375" cy="4543425"/>
           </a:xfrm>
           <a:prstGeom prst="rect">
             <a:avLst/>
@@ -6070,14 +6141,14 @@
           </a:ln>
           <a:extLst>
             <a:ext uri="{909E8E84-426E-40DD-AFC4-6F175D3DCCD1}">
-              <a14:hiddenFill xmlns:a14="http://schemas.microsoft.com/office/drawing/2010/main">
+              <a14:hiddenFill xmlns:a14="http://schemas.microsoft.com/office/drawing/2010/main" xmlns="">
                 <a:solidFill>
                   <a:schemeClr val="accent1"/>
                 </a:solidFill>
               </a14:hiddenFill>
             </a:ext>
             <a:ext uri="{91240B29-F687-4F45-9708-019B960494DF}">
-              <a14:hiddenLine xmlns:a14="http://schemas.microsoft.com/office/drawing/2010/main" w="9525">
+              <a14:hiddenLine xmlns:a14="http://schemas.microsoft.com/office/drawing/2010/main" xmlns="" w="9525">
                 <a:solidFill>
                   <a:schemeClr val="tx1"/>
                 </a:solidFill>
@@ -6089,10 +6160,52 @@
           </a:extLst>
         </p:spPr>
       </p:pic>
+      <p:sp>
+        <p:nvSpPr>
+          <p:cNvPr id="4" name="Title 2"/>
+          <p:cNvSpPr>
+            <a:spLocks noGrp="1"/>
+          </p:cNvSpPr>
+          <p:nvPr>
+            <p:ph type="title"/>
+          </p:nvPr>
+        </p:nvSpPr>
+        <p:spPr>
+          <a:xfrm>
+            <a:off x="228600" y="990600"/>
+            <a:ext cx="8915400" cy="838200"/>
+          </a:xfrm>
+        </p:spPr>
+        <p:txBody>
+          <a:bodyPr>
+            <a:noAutofit/>
+          </a:bodyPr>
+          <a:lstStyle/>
+          <a:p>
+            <a:pPr algn="ctr"/>
+            <a:r>
+              <a:rPr lang="en-US" sz="3600" dirty="0" smtClean="0"/>
+              <a:t>Chat </a:t>
+            </a:r>
+            <a:r>
+              <a:rPr lang="en-US" sz="3600" dirty="0" smtClean="0"/>
+              <a:t>Application with new design goal</a:t>
+            </a:r>
+            <a:r>
+              <a:rPr lang="en-US" sz="3600" dirty="0" smtClean="0"/>
+              <a:t/>
+            </a:r>
+            <a:br>
+              <a:rPr lang="en-US" sz="3600" dirty="0" smtClean="0"/>
+            </a:br>
+            <a:endParaRPr lang="en-US" sz="3600" dirty="0"/>
+          </a:p>
+        </p:txBody>
+      </p:sp>
     </p:spTree>
     <p:extLst>
       <p:ext uri="{BB962C8B-B14F-4D97-AF65-F5344CB8AC3E}">
-        <p14:creationId xmlns:p14="http://schemas.microsoft.com/office/powerpoint/2010/main" val="79308276"/>
+        <p14:creationId xmlns:p14="http://schemas.microsoft.com/office/powerpoint/2010/main" xmlns="" val="1264415612"/>
       </p:ext>
     </p:extLst>
   </p:cSld>
@@ -6128,7 +6241,7 @@
       </p:grpSpPr>
       <p:pic>
         <p:nvPicPr>
-          <p:cNvPr id="7170" name="Picture 2"/>
+          <p:cNvPr id="8194" name="Picture 2"/>
           <p:cNvPicPr>
             <a:picLocks noChangeAspect="1" noChangeArrowheads="1"/>
           </p:cNvPicPr>
@@ -6138,7 +6251,7 @@
           <a:blip r:embed="rId2">
             <a:extLst>
               <a:ext uri="{28A0092B-C50C-407E-A947-70E740481C1C}">
-                <a14:useLocalDpi xmlns:a14="http://schemas.microsoft.com/office/drawing/2010/main" val="0"/>
+                <a14:useLocalDpi xmlns:a14="http://schemas.microsoft.com/office/drawing/2010/main" xmlns="" val="0"/>
               </a:ext>
             </a:extLst>
           </a:blip>
@@ -6149,8 +6262,8 @@
         </p:blipFill>
         <p:spPr bwMode="auto">
           <a:xfrm>
-            <a:off x="976313" y="1524000"/>
-            <a:ext cx="7191375" cy="4543425"/>
+            <a:off x="990600" y="1524000"/>
+            <a:ext cx="7210425" cy="4486275"/>
           </a:xfrm>
           <a:prstGeom prst="rect">
             <a:avLst/>
@@ -6161,14 +6274,14 @@
           </a:ln>
           <a:extLst>
             <a:ext uri="{909E8E84-426E-40DD-AFC4-6F175D3DCCD1}">
-              <a14:hiddenFill xmlns:a14="http://schemas.microsoft.com/office/drawing/2010/main">
+              <a14:hiddenFill xmlns:a14="http://schemas.microsoft.com/office/drawing/2010/main" xmlns="">
                 <a:solidFill>
                   <a:schemeClr val="accent1"/>
                 </a:solidFill>
               </a14:hiddenFill>
             </a:ext>
             <a:ext uri="{91240B29-F687-4F45-9708-019B960494DF}">
-              <a14:hiddenLine xmlns:a14="http://schemas.microsoft.com/office/drawing/2010/main" w="9525">
+              <a14:hiddenLine xmlns:a14="http://schemas.microsoft.com/office/drawing/2010/main" xmlns="" w="9525">
                 <a:solidFill>
                   <a:schemeClr val="tx1"/>
                 </a:solidFill>
@@ -6180,10 +6293,52 @@
           </a:extLst>
         </p:spPr>
       </p:pic>
+      <p:sp>
+        <p:nvSpPr>
+          <p:cNvPr id="4" name="Title 2"/>
+          <p:cNvSpPr>
+            <a:spLocks noGrp="1"/>
+          </p:cNvSpPr>
+          <p:nvPr>
+            <p:ph type="title"/>
+          </p:nvPr>
+        </p:nvSpPr>
+        <p:spPr>
+          <a:xfrm>
+            <a:off x="228600" y="990600"/>
+            <a:ext cx="8915400" cy="838200"/>
+          </a:xfrm>
+        </p:spPr>
+        <p:txBody>
+          <a:bodyPr>
+            <a:noAutofit/>
+          </a:bodyPr>
+          <a:lstStyle/>
+          <a:p>
+            <a:pPr algn="ctr"/>
+            <a:r>
+              <a:rPr lang="en-US" sz="3600" dirty="0" smtClean="0"/>
+              <a:t>Chat </a:t>
+            </a:r>
+            <a:r>
+              <a:rPr lang="en-US" sz="3600" dirty="0" smtClean="0"/>
+              <a:t>Application with new design goal</a:t>
+            </a:r>
+            <a:r>
+              <a:rPr lang="en-US" sz="3600" dirty="0" smtClean="0"/>
+              <a:t/>
+            </a:r>
+            <a:br>
+              <a:rPr lang="en-US" sz="3600" dirty="0" smtClean="0"/>
+            </a:br>
+            <a:endParaRPr lang="en-US" sz="3600" dirty="0"/>
+          </a:p>
+        </p:txBody>
+      </p:sp>
     </p:spTree>
     <p:extLst>
       <p:ext uri="{BB962C8B-B14F-4D97-AF65-F5344CB8AC3E}">
-        <p14:creationId xmlns:p14="http://schemas.microsoft.com/office/powerpoint/2010/main" val="1264415612"/>
+        <p14:creationId xmlns:p14="http://schemas.microsoft.com/office/powerpoint/2010/main" xmlns="" val="2771266881"/>
       </p:ext>
     </p:extLst>
   </p:cSld>
@@ -6217,64 +6372,73 @@
           <a:chExt cx="0" cy="0"/>
         </a:xfrm>
       </p:grpSpPr>
-      <p:pic>
-        <p:nvPicPr>
-          <p:cNvPr id="8194" name="Picture 2"/>
-          <p:cNvPicPr>
-            <a:picLocks noChangeAspect="1" noChangeArrowheads="1"/>
-          </p:cNvPicPr>
-          <p:nvPr/>
-        </p:nvPicPr>
-        <p:blipFill>
-          <a:blip r:embed="rId2">
-            <a:extLst>
-              <a:ext uri="{28A0092B-C50C-407E-A947-70E740481C1C}">
-                <a14:useLocalDpi xmlns:a14="http://schemas.microsoft.com/office/drawing/2010/main" val="0"/>
-              </a:ext>
-            </a:extLst>
-          </a:blip>
-          <a:srcRect/>
-          <a:stretch>
-            <a:fillRect/>
-          </a:stretch>
-        </p:blipFill>
-        <p:spPr bwMode="auto">
+      <p:sp>
+        <p:nvSpPr>
+          <p:cNvPr id="3" name="Content Placeholder 2"/>
+          <p:cNvSpPr>
+            <a:spLocks noGrp="1"/>
+          </p:cNvSpPr>
+          <p:nvPr>
+            <p:ph idx="1"/>
+          </p:nvPr>
+        </p:nvSpPr>
+        <p:spPr>
           <a:xfrm>
-            <a:off x="988557" y="1676400"/>
-            <a:ext cx="7210425" cy="4486275"/>
+            <a:off x="685800" y="1905000"/>
+            <a:ext cx="8229600" cy="4495800"/>
           </a:xfrm>
-          <a:prstGeom prst="rect">
-            <a:avLst/>
-          </a:prstGeom>
-          <a:noFill/>
-          <a:ln>
-            <a:noFill/>
-          </a:ln>
-          <a:extLst>
-            <a:ext uri="{909E8E84-426E-40DD-AFC4-6F175D3DCCD1}">
-              <a14:hiddenFill xmlns:a14="http://schemas.microsoft.com/office/drawing/2010/main">
-                <a:solidFill>
-                  <a:schemeClr val="accent1"/>
-                </a:solidFill>
-              </a14:hiddenFill>
-            </a:ext>
-            <a:ext uri="{91240B29-F687-4F45-9708-019B960494DF}">
-              <a14:hiddenLine xmlns:a14="http://schemas.microsoft.com/office/drawing/2010/main" w="9525">
-                <a:solidFill>
-                  <a:schemeClr val="tx1"/>
-                </a:solidFill>
-                <a:miter lim="800000"/>
-                <a:headEnd/>
-                <a:tailEnd/>
-              </a14:hiddenLine>
-            </a:ext>
-          </a:extLst>
         </p:spPr>
-      </p:pic>
+        <p:txBody>
+          <a:bodyPr/>
+          <a:lstStyle/>
+          <a:p>
+            <a:r>
+              <a:rPr lang="en-US" dirty="0" smtClean="0"/>
+              <a:t>Previous design goal:</a:t>
+            </a:r>
+          </a:p>
+          <a:p>
+            <a:pPr lvl="1"/>
+            <a:r>
+              <a:rPr lang="en-US" dirty="0" smtClean="0"/>
+              <a:t>Send message quickly and easily.</a:t>
+            </a:r>
+          </a:p>
+          <a:p>
+            <a:pPr marL="457200" lvl="1" indent="0">
+              <a:buNone/>
+            </a:pPr>
+            <a:endParaRPr lang="en-US" dirty="0" smtClean="0"/>
+          </a:p>
+          <a:p>
+            <a:r>
+              <a:rPr lang="en-US" dirty="0" smtClean="0"/>
+              <a:t>Human design goal:</a:t>
+            </a:r>
+          </a:p>
+          <a:p>
+            <a:pPr lvl="1"/>
+            <a:r>
+              <a:rPr lang="en-US" dirty="0" smtClean="0"/>
+              <a:t>High-quality communication and relationship.</a:t>
+            </a:r>
+          </a:p>
+          <a:p>
+            <a:pPr lvl="1"/>
+            <a:endParaRPr lang="en-US" dirty="0" smtClean="0"/>
+          </a:p>
+          <a:p>
+            <a:pPr marL="457200" lvl="1" indent="0">
+              <a:buNone/>
+            </a:pPr>
+            <a:endParaRPr lang="en-US" dirty="0" smtClean="0"/>
+          </a:p>
+        </p:txBody>
+      </p:sp>
     </p:spTree>
     <p:extLst>
       <p:ext uri="{BB962C8B-B14F-4D97-AF65-F5344CB8AC3E}">
-        <p14:creationId xmlns:p14="http://schemas.microsoft.com/office/powerpoint/2010/main" val="2771266881"/>
+        <p14:creationId xmlns:p14="http://schemas.microsoft.com/office/powerpoint/2010/main" xmlns="" val="4092471290"/>
       </p:ext>
     </p:extLst>
   </p:cSld>
